--- a/module-11/group3-BacchusWinery.pptx
+++ b/module-11/group3-BacchusWinery.pptx
@@ -12,8 +12,9 @@
     <p:sldId id="261" r:id="rId6"/>
     <p:sldId id="262" r:id="rId7"/>
     <p:sldId id="263" r:id="rId8"/>
-    <p:sldId id="264" r:id="rId9"/>
-    <p:sldId id="266" r:id="rId10"/>
+    <p:sldId id="267" r:id="rId9"/>
+    <p:sldId id="264" r:id="rId10"/>
+    <p:sldId id="266" r:id="rId11"/>
   </p:sldIdLst>
   <p:sldSz cx="12192000" cy="6858000"/>
   <p:notesSz cx="6858000" cy="9144000"/>
@@ -120,6 +121,3250 @@
 </p:presentation>
 </file>
 
+<file path=ppt/diagrams/colors1.xml><?xml version="1.0" encoding="utf-8"?>
+<dgm:colorsDef xmlns:dgm="http://schemas.openxmlformats.org/drawingml/2006/diagram" xmlns:a="http://schemas.openxmlformats.org/drawingml/2006/main" uniqueId="urn:microsoft.com/office/officeart/2005/8/colors/accent1_2">
+  <dgm:title val=""/>
+  <dgm:desc val=""/>
+  <dgm:catLst>
+    <dgm:cat type="accent1" pri="11200"/>
+  </dgm:catLst>
+  <dgm:styleLbl name="node0">
+    <dgm:fillClrLst meth="repeat">
+      <a:schemeClr val="accent1"/>
+    </dgm:fillClrLst>
+    <dgm:linClrLst meth="repeat">
+      <a:schemeClr val="lt1"/>
+    </dgm:linClrLst>
+    <dgm:effectClrLst/>
+    <dgm:txLinClrLst/>
+    <dgm:txFillClrLst/>
+    <dgm:txEffectClrLst/>
+  </dgm:styleLbl>
+  <dgm:styleLbl name="alignNode1">
+    <dgm:fillClrLst meth="repeat">
+      <a:schemeClr val="accent1"/>
+    </dgm:fillClrLst>
+    <dgm:linClrLst meth="repeat">
+      <a:schemeClr val="accent1"/>
+    </dgm:linClrLst>
+    <dgm:effectClrLst/>
+    <dgm:txLinClrLst/>
+    <dgm:txFillClrLst/>
+    <dgm:txEffectClrLst/>
+  </dgm:styleLbl>
+  <dgm:styleLbl name="node1">
+    <dgm:fillClrLst meth="repeat">
+      <a:schemeClr val="accent1"/>
+    </dgm:fillClrLst>
+    <dgm:linClrLst meth="repeat">
+      <a:schemeClr val="lt1"/>
+    </dgm:linClrLst>
+    <dgm:effectClrLst/>
+    <dgm:txLinClrLst/>
+    <dgm:txFillClrLst/>
+    <dgm:txEffectClrLst/>
+  </dgm:styleLbl>
+  <dgm:styleLbl name="lnNode1">
+    <dgm:fillClrLst meth="repeat">
+      <a:schemeClr val="accent1"/>
+    </dgm:fillClrLst>
+    <dgm:linClrLst meth="repeat">
+      <a:schemeClr val="lt1"/>
+    </dgm:linClrLst>
+    <dgm:effectClrLst/>
+    <dgm:txLinClrLst/>
+    <dgm:txFillClrLst/>
+    <dgm:txEffectClrLst/>
+  </dgm:styleLbl>
+  <dgm:styleLbl name="vennNode1">
+    <dgm:fillClrLst meth="repeat">
+      <a:schemeClr val="accent1">
+        <a:alpha val="50000"/>
+      </a:schemeClr>
+    </dgm:fillClrLst>
+    <dgm:linClrLst meth="repeat">
+      <a:schemeClr val="lt1"/>
+    </dgm:linClrLst>
+    <dgm:effectClrLst/>
+    <dgm:txLinClrLst/>
+    <dgm:txFillClrLst/>
+    <dgm:txEffectClrLst/>
+  </dgm:styleLbl>
+  <dgm:styleLbl name="node2">
+    <dgm:fillClrLst meth="repeat">
+      <a:schemeClr val="accent1"/>
+    </dgm:fillClrLst>
+    <dgm:linClrLst meth="repeat">
+      <a:schemeClr val="lt1"/>
+    </dgm:linClrLst>
+    <dgm:effectClrLst/>
+    <dgm:txLinClrLst/>
+    <dgm:txFillClrLst/>
+    <dgm:txEffectClrLst/>
+  </dgm:styleLbl>
+  <dgm:styleLbl name="node3">
+    <dgm:fillClrLst meth="repeat">
+      <a:schemeClr val="accent1"/>
+    </dgm:fillClrLst>
+    <dgm:linClrLst meth="repeat">
+      <a:schemeClr val="lt1"/>
+    </dgm:linClrLst>
+    <dgm:effectClrLst/>
+    <dgm:txLinClrLst/>
+    <dgm:txFillClrLst/>
+    <dgm:txEffectClrLst/>
+  </dgm:styleLbl>
+  <dgm:styleLbl name="node4">
+    <dgm:fillClrLst meth="repeat">
+      <a:schemeClr val="accent1"/>
+    </dgm:fillClrLst>
+    <dgm:linClrLst meth="repeat">
+      <a:schemeClr val="lt1"/>
+    </dgm:linClrLst>
+    <dgm:effectClrLst/>
+    <dgm:txLinClrLst/>
+    <dgm:txFillClrLst/>
+    <dgm:txEffectClrLst/>
+  </dgm:styleLbl>
+  <dgm:styleLbl name="fgImgPlace1">
+    <dgm:fillClrLst meth="repeat">
+      <a:schemeClr val="accent1">
+        <a:tint val="50000"/>
+      </a:schemeClr>
+    </dgm:fillClrLst>
+    <dgm:linClrLst meth="repeat">
+      <a:schemeClr val="lt1"/>
+    </dgm:linClrLst>
+    <dgm:effectClrLst/>
+    <dgm:txLinClrLst/>
+    <dgm:txFillClrLst meth="repeat">
+      <a:schemeClr val="lt1"/>
+    </dgm:txFillClrLst>
+    <dgm:txEffectClrLst/>
+  </dgm:styleLbl>
+  <dgm:styleLbl name="alignImgPlace1">
+    <dgm:fillClrLst meth="repeat">
+      <a:schemeClr val="accent1">
+        <a:tint val="50000"/>
+      </a:schemeClr>
+    </dgm:fillClrLst>
+    <dgm:linClrLst meth="repeat">
+      <a:schemeClr val="lt1"/>
+    </dgm:linClrLst>
+    <dgm:effectClrLst/>
+    <dgm:txLinClrLst/>
+    <dgm:txFillClrLst meth="repeat">
+      <a:schemeClr val="lt1"/>
+    </dgm:txFillClrLst>
+    <dgm:txEffectClrLst/>
+  </dgm:styleLbl>
+  <dgm:styleLbl name="bgImgPlace1">
+    <dgm:fillClrLst meth="repeat">
+      <a:schemeClr val="accent1">
+        <a:tint val="50000"/>
+      </a:schemeClr>
+    </dgm:fillClrLst>
+    <dgm:linClrLst meth="repeat">
+      <a:schemeClr val="lt1"/>
+    </dgm:linClrLst>
+    <dgm:effectClrLst/>
+    <dgm:txLinClrLst/>
+    <dgm:txFillClrLst meth="repeat">
+      <a:schemeClr val="lt1"/>
+    </dgm:txFillClrLst>
+    <dgm:txEffectClrLst/>
+  </dgm:styleLbl>
+  <dgm:styleLbl name="sibTrans2D1">
+    <dgm:fillClrLst meth="repeat">
+      <a:schemeClr val="accent1">
+        <a:tint val="60000"/>
+      </a:schemeClr>
+    </dgm:fillClrLst>
+    <dgm:linClrLst meth="repeat">
+      <a:schemeClr val="accent1">
+        <a:tint val="60000"/>
+      </a:schemeClr>
+    </dgm:linClrLst>
+    <dgm:effectClrLst/>
+    <dgm:txLinClrLst/>
+    <dgm:txFillClrLst/>
+    <dgm:txEffectClrLst/>
+  </dgm:styleLbl>
+  <dgm:styleLbl name="fgSibTrans2D1">
+    <dgm:fillClrLst meth="repeat">
+      <a:schemeClr val="accent1">
+        <a:tint val="60000"/>
+      </a:schemeClr>
+    </dgm:fillClrLst>
+    <dgm:linClrLst meth="repeat">
+      <a:schemeClr val="accent1">
+        <a:tint val="60000"/>
+      </a:schemeClr>
+    </dgm:linClrLst>
+    <dgm:effectClrLst/>
+    <dgm:txLinClrLst/>
+    <dgm:txFillClrLst/>
+    <dgm:txEffectClrLst/>
+  </dgm:styleLbl>
+  <dgm:styleLbl name="bgSibTrans2D1">
+    <dgm:fillClrLst meth="repeat">
+      <a:schemeClr val="accent1">
+        <a:tint val="60000"/>
+      </a:schemeClr>
+    </dgm:fillClrLst>
+    <dgm:linClrLst meth="repeat">
+      <a:schemeClr val="accent1">
+        <a:tint val="60000"/>
+      </a:schemeClr>
+    </dgm:linClrLst>
+    <dgm:effectClrLst/>
+    <dgm:txLinClrLst/>
+    <dgm:txFillClrLst/>
+    <dgm:txEffectClrLst/>
+  </dgm:styleLbl>
+  <dgm:styleLbl name="sibTrans1D1">
+    <dgm:fillClrLst meth="repeat">
+      <a:schemeClr val="accent1"/>
+    </dgm:fillClrLst>
+    <dgm:linClrLst meth="repeat">
+      <a:schemeClr val="accent1"/>
+    </dgm:linClrLst>
+    <dgm:effectClrLst/>
+    <dgm:txLinClrLst/>
+    <dgm:txFillClrLst meth="repeat">
+      <a:schemeClr val="tx1"/>
+    </dgm:txFillClrLst>
+    <dgm:txEffectClrLst/>
+  </dgm:styleLbl>
+  <dgm:styleLbl name="callout">
+    <dgm:fillClrLst meth="repeat">
+      <a:schemeClr val="accent1"/>
+    </dgm:fillClrLst>
+    <dgm:linClrLst meth="repeat">
+      <a:schemeClr val="accent1">
+        <a:tint val="50000"/>
+      </a:schemeClr>
+    </dgm:linClrLst>
+    <dgm:effectClrLst/>
+    <dgm:txLinClrLst/>
+    <dgm:txFillClrLst meth="repeat">
+      <a:schemeClr val="tx1"/>
+    </dgm:txFillClrLst>
+    <dgm:txEffectClrLst/>
+  </dgm:styleLbl>
+  <dgm:styleLbl name="asst0">
+    <dgm:fillClrLst meth="repeat">
+      <a:schemeClr val="accent1"/>
+    </dgm:fillClrLst>
+    <dgm:linClrLst meth="repeat">
+      <a:schemeClr val="lt1"/>
+    </dgm:linClrLst>
+    <dgm:effectClrLst/>
+    <dgm:txLinClrLst/>
+    <dgm:txFillClrLst/>
+    <dgm:txEffectClrLst/>
+  </dgm:styleLbl>
+  <dgm:styleLbl name="asst1">
+    <dgm:fillClrLst meth="repeat">
+      <a:schemeClr val="accent1"/>
+    </dgm:fillClrLst>
+    <dgm:linClrLst meth="repeat">
+      <a:schemeClr val="lt1"/>
+    </dgm:linClrLst>
+    <dgm:effectClrLst/>
+    <dgm:txLinClrLst/>
+    <dgm:txFillClrLst/>
+    <dgm:txEffectClrLst/>
+  </dgm:styleLbl>
+  <dgm:styleLbl name="asst2">
+    <dgm:fillClrLst meth="repeat">
+      <a:schemeClr val="accent1"/>
+    </dgm:fillClrLst>
+    <dgm:linClrLst meth="repeat">
+      <a:schemeClr val="lt1"/>
+    </dgm:linClrLst>
+    <dgm:effectClrLst/>
+    <dgm:txLinClrLst/>
+    <dgm:txFillClrLst/>
+    <dgm:txEffectClrLst/>
+  </dgm:styleLbl>
+  <dgm:styleLbl name="asst3">
+    <dgm:fillClrLst meth="repeat">
+      <a:schemeClr val="accent1"/>
+    </dgm:fillClrLst>
+    <dgm:linClrLst meth="repeat">
+      <a:schemeClr val="lt1"/>
+    </dgm:linClrLst>
+    <dgm:effectClrLst/>
+    <dgm:txLinClrLst/>
+    <dgm:txFillClrLst/>
+    <dgm:txEffectClrLst/>
+  </dgm:styleLbl>
+  <dgm:styleLbl name="asst4">
+    <dgm:fillClrLst meth="repeat">
+      <a:schemeClr val="accent1"/>
+    </dgm:fillClrLst>
+    <dgm:linClrLst meth="repeat">
+      <a:schemeClr val="lt1"/>
+    </dgm:linClrLst>
+    <dgm:effectClrLst/>
+    <dgm:txLinClrLst/>
+    <dgm:txFillClrLst/>
+    <dgm:txEffectClrLst/>
+  </dgm:styleLbl>
+  <dgm:styleLbl name="parChTrans2D1">
+    <dgm:fillClrLst meth="repeat">
+      <a:schemeClr val="accent1">
+        <a:tint val="60000"/>
+      </a:schemeClr>
+    </dgm:fillClrLst>
+    <dgm:linClrLst meth="repeat">
+      <a:schemeClr val="accent1">
+        <a:tint val="60000"/>
+      </a:schemeClr>
+    </dgm:linClrLst>
+    <dgm:effectClrLst/>
+    <dgm:txLinClrLst/>
+    <dgm:txFillClrLst meth="repeat">
+      <a:schemeClr val="lt1"/>
+    </dgm:txFillClrLst>
+    <dgm:txEffectClrLst/>
+  </dgm:styleLbl>
+  <dgm:styleLbl name="parChTrans2D2">
+    <dgm:fillClrLst meth="repeat">
+      <a:schemeClr val="accent1"/>
+    </dgm:fillClrLst>
+    <dgm:linClrLst meth="repeat">
+      <a:schemeClr val="accent1"/>
+    </dgm:linClrLst>
+    <dgm:effectClrLst/>
+    <dgm:txLinClrLst/>
+    <dgm:txFillClrLst meth="repeat">
+      <a:schemeClr val="lt1"/>
+    </dgm:txFillClrLst>
+    <dgm:txEffectClrLst/>
+  </dgm:styleLbl>
+  <dgm:styleLbl name="parChTrans2D3">
+    <dgm:fillClrLst meth="repeat">
+      <a:schemeClr val="accent1"/>
+    </dgm:fillClrLst>
+    <dgm:linClrLst meth="repeat">
+      <a:schemeClr val="accent1"/>
+    </dgm:linClrLst>
+    <dgm:effectClrLst/>
+    <dgm:txLinClrLst/>
+    <dgm:txFillClrLst meth="repeat">
+      <a:schemeClr val="lt1"/>
+    </dgm:txFillClrLst>
+    <dgm:txEffectClrLst/>
+  </dgm:styleLbl>
+  <dgm:styleLbl name="parChTrans2D4">
+    <dgm:fillClrLst meth="repeat">
+      <a:schemeClr val="accent1"/>
+    </dgm:fillClrLst>
+    <dgm:linClrLst meth="repeat">
+      <a:schemeClr val="accent1"/>
+    </dgm:linClrLst>
+    <dgm:effectClrLst/>
+    <dgm:txLinClrLst/>
+    <dgm:txFillClrLst meth="repeat">
+      <a:schemeClr val="lt1"/>
+    </dgm:txFillClrLst>
+    <dgm:txEffectClrLst/>
+  </dgm:styleLbl>
+  <dgm:styleLbl name="parChTrans1D1">
+    <dgm:fillClrLst meth="repeat">
+      <a:schemeClr val="accent1"/>
+    </dgm:fillClrLst>
+    <dgm:linClrLst meth="repeat">
+      <a:schemeClr val="accent1">
+        <a:shade val="60000"/>
+      </a:schemeClr>
+    </dgm:linClrLst>
+    <dgm:effectClrLst/>
+    <dgm:txLinClrLst/>
+    <dgm:txFillClrLst meth="repeat">
+      <a:schemeClr val="tx1"/>
+    </dgm:txFillClrLst>
+    <dgm:txEffectClrLst/>
+  </dgm:styleLbl>
+  <dgm:styleLbl name="parChTrans1D2">
+    <dgm:fillClrLst meth="repeat">
+      <a:schemeClr val="accent1"/>
+    </dgm:fillClrLst>
+    <dgm:linClrLst meth="repeat">
+      <a:schemeClr val="accent1">
+        <a:shade val="60000"/>
+      </a:schemeClr>
+    </dgm:linClrLst>
+    <dgm:effectClrLst/>
+    <dgm:txLinClrLst/>
+    <dgm:txFillClrLst meth="repeat">
+      <a:schemeClr val="tx1"/>
+    </dgm:txFillClrLst>
+    <dgm:txEffectClrLst/>
+  </dgm:styleLbl>
+  <dgm:styleLbl name="parChTrans1D3">
+    <dgm:fillClrLst meth="repeat">
+      <a:schemeClr val="accent1"/>
+    </dgm:fillClrLst>
+    <dgm:linClrLst meth="repeat">
+      <a:schemeClr val="accent1">
+        <a:shade val="80000"/>
+      </a:schemeClr>
+    </dgm:linClrLst>
+    <dgm:effectClrLst/>
+    <dgm:txLinClrLst/>
+    <dgm:txFillClrLst meth="repeat">
+      <a:schemeClr val="tx1"/>
+    </dgm:txFillClrLst>
+    <dgm:txEffectClrLst/>
+  </dgm:styleLbl>
+  <dgm:styleLbl name="parChTrans1D4">
+    <dgm:fillClrLst meth="repeat">
+      <a:schemeClr val="accent1"/>
+    </dgm:fillClrLst>
+    <dgm:linClrLst meth="repeat">
+      <a:schemeClr val="accent1">
+        <a:shade val="80000"/>
+      </a:schemeClr>
+    </dgm:linClrLst>
+    <dgm:effectClrLst/>
+    <dgm:txLinClrLst/>
+    <dgm:txFillClrLst meth="repeat">
+      <a:schemeClr val="tx1"/>
+    </dgm:txFillClrLst>
+    <dgm:txEffectClrLst/>
+  </dgm:styleLbl>
+  <dgm:styleLbl name="fgAcc1">
+    <dgm:fillClrLst meth="repeat">
+      <a:schemeClr val="lt1">
+        <a:alpha val="90000"/>
+      </a:schemeClr>
+    </dgm:fillClrLst>
+    <dgm:linClrLst meth="repeat">
+      <a:schemeClr val="accent1"/>
+    </dgm:linClrLst>
+    <dgm:effectClrLst/>
+    <dgm:txLinClrLst/>
+    <dgm:txFillClrLst meth="repeat">
+      <a:schemeClr val="dk1"/>
+    </dgm:txFillClrLst>
+    <dgm:txEffectClrLst/>
+  </dgm:styleLbl>
+  <dgm:styleLbl name="conFgAcc1">
+    <dgm:fillClrLst meth="repeat">
+      <a:schemeClr val="lt1">
+        <a:alpha val="90000"/>
+      </a:schemeClr>
+    </dgm:fillClrLst>
+    <dgm:linClrLst meth="repeat">
+      <a:schemeClr val="accent1"/>
+    </dgm:linClrLst>
+    <dgm:effectClrLst/>
+    <dgm:txLinClrLst/>
+    <dgm:txFillClrLst meth="repeat">
+      <a:schemeClr val="dk1"/>
+    </dgm:txFillClrLst>
+    <dgm:txEffectClrLst/>
+  </dgm:styleLbl>
+  <dgm:styleLbl name="alignAcc1">
+    <dgm:fillClrLst meth="repeat">
+      <a:schemeClr val="lt1">
+        <a:alpha val="90000"/>
+      </a:schemeClr>
+    </dgm:fillClrLst>
+    <dgm:linClrLst meth="repeat">
+      <a:schemeClr val="accent1"/>
+    </dgm:linClrLst>
+    <dgm:effectClrLst/>
+    <dgm:txLinClrLst/>
+    <dgm:txFillClrLst meth="repeat">
+      <a:schemeClr val="dk1"/>
+    </dgm:txFillClrLst>
+    <dgm:txEffectClrLst/>
+  </dgm:styleLbl>
+  <dgm:styleLbl name="trAlignAcc1">
+    <dgm:fillClrLst meth="repeat">
+      <a:schemeClr val="lt1">
+        <a:alpha val="40000"/>
+      </a:schemeClr>
+    </dgm:fillClrLst>
+    <dgm:linClrLst meth="repeat">
+      <a:schemeClr val="accent1"/>
+    </dgm:linClrLst>
+    <dgm:effectClrLst/>
+    <dgm:txLinClrLst/>
+    <dgm:txFillClrLst meth="repeat">
+      <a:schemeClr val="dk1"/>
+    </dgm:txFillClrLst>
+    <dgm:txEffectClrLst/>
+  </dgm:styleLbl>
+  <dgm:styleLbl name="bgAcc1">
+    <dgm:fillClrLst meth="repeat">
+      <a:schemeClr val="lt1">
+        <a:alpha val="90000"/>
+      </a:schemeClr>
+    </dgm:fillClrLst>
+    <dgm:linClrLst meth="repeat">
+      <a:schemeClr val="accent1"/>
+    </dgm:linClrLst>
+    <dgm:effectClrLst/>
+    <dgm:txLinClrLst/>
+    <dgm:txFillClrLst meth="repeat">
+      <a:schemeClr val="dk1"/>
+    </dgm:txFillClrLst>
+    <dgm:txEffectClrLst/>
+  </dgm:styleLbl>
+  <dgm:styleLbl name="solidFgAcc1">
+    <dgm:fillClrLst meth="repeat">
+      <a:schemeClr val="lt1"/>
+    </dgm:fillClrLst>
+    <dgm:linClrLst meth="repeat">
+      <a:schemeClr val="accent1"/>
+    </dgm:linClrLst>
+    <dgm:effectClrLst/>
+    <dgm:txLinClrLst/>
+    <dgm:txFillClrLst meth="repeat">
+      <a:schemeClr val="dk1"/>
+    </dgm:txFillClrLst>
+    <dgm:txEffectClrLst/>
+  </dgm:styleLbl>
+  <dgm:styleLbl name="solidAlignAcc1">
+    <dgm:fillClrLst meth="repeat">
+      <a:schemeClr val="lt1"/>
+    </dgm:fillClrLst>
+    <dgm:linClrLst meth="repeat">
+      <a:schemeClr val="accent1"/>
+    </dgm:linClrLst>
+    <dgm:effectClrLst/>
+    <dgm:txLinClrLst/>
+    <dgm:txFillClrLst meth="repeat">
+      <a:schemeClr val="dk1"/>
+    </dgm:txFillClrLst>
+    <dgm:txEffectClrLst/>
+  </dgm:styleLbl>
+  <dgm:styleLbl name="solidBgAcc1">
+    <dgm:fillClrLst meth="repeat">
+      <a:schemeClr val="lt1"/>
+    </dgm:fillClrLst>
+    <dgm:linClrLst meth="repeat">
+      <a:schemeClr val="accent1"/>
+    </dgm:linClrLst>
+    <dgm:effectClrLst/>
+    <dgm:txLinClrLst/>
+    <dgm:txFillClrLst meth="repeat">
+      <a:schemeClr val="dk1"/>
+    </dgm:txFillClrLst>
+    <dgm:txEffectClrLst/>
+  </dgm:styleLbl>
+  <dgm:styleLbl name="fgAccFollowNode1">
+    <dgm:fillClrLst meth="repeat">
+      <a:schemeClr val="accent1">
+        <a:alpha val="90000"/>
+        <a:tint val="40000"/>
+      </a:schemeClr>
+    </dgm:fillClrLst>
+    <dgm:linClrLst meth="repeat">
+      <a:schemeClr val="accent1">
+        <a:alpha val="90000"/>
+        <a:tint val="40000"/>
+      </a:schemeClr>
+    </dgm:linClrLst>
+    <dgm:effectClrLst/>
+    <dgm:txLinClrLst/>
+    <dgm:txFillClrLst meth="repeat">
+      <a:schemeClr val="dk1"/>
+    </dgm:txFillClrLst>
+    <dgm:txEffectClrLst/>
+  </dgm:styleLbl>
+  <dgm:styleLbl name="alignAccFollowNode1">
+    <dgm:fillClrLst meth="repeat">
+      <a:schemeClr val="accent1">
+        <a:alpha val="90000"/>
+        <a:tint val="40000"/>
+      </a:schemeClr>
+    </dgm:fillClrLst>
+    <dgm:linClrLst meth="repeat">
+      <a:schemeClr val="accent1">
+        <a:alpha val="90000"/>
+        <a:tint val="40000"/>
+      </a:schemeClr>
+    </dgm:linClrLst>
+    <dgm:effectClrLst/>
+    <dgm:txLinClrLst/>
+    <dgm:txFillClrLst meth="repeat">
+      <a:schemeClr val="dk1"/>
+    </dgm:txFillClrLst>
+    <dgm:txEffectClrLst/>
+  </dgm:styleLbl>
+  <dgm:styleLbl name="bgAccFollowNode1">
+    <dgm:fillClrLst meth="repeat">
+      <a:schemeClr val="accent1">
+        <a:alpha val="90000"/>
+        <a:tint val="40000"/>
+      </a:schemeClr>
+    </dgm:fillClrLst>
+    <dgm:linClrLst meth="repeat">
+      <a:schemeClr val="accent1">
+        <a:alpha val="90000"/>
+        <a:tint val="40000"/>
+      </a:schemeClr>
+    </dgm:linClrLst>
+    <dgm:effectClrLst/>
+    <dgm:txLinClrLst/>
+    <dgm:txFillClrLst meth="repeat">
+      <a:schemeClr val="dk1"/>
+    </dgm:txFillClrLst>
+    <dgm:txEffectClrLst/>
+  </dgm:styleLbl>
+  <dgm:styleLbl name="fgAcc0">
+    <dgm:fillClrLst meth="repeat">
+      <a:schemeClr val="lt1">
+        <a:alpha val="90000"/>
+      </a:schemeClr>
+    </dgm:fillClrLst>
+    <dgm:linClrLst meth="repeat">
+      <a:schemeClr val="accent1"/>
+    </dgm:linClrLst>
+    <dgm:effectClrLst/>
+    <dgm:txLinClrLst/>
+    <dgm:txFillClrLst meth="repeat">
+      <a:schemeClr val="dk1"/>
+    </dgm:txFillClrLst>
+    <dgm:txEffectClrLst/>
+  </dgm:styleLbl>
+  <dgm:styleLbl name="fgAcc2">
+    <dgm:fillClrLst meth="repeat">
+      <a:schemeClr val="lt1">
+        <a:alpha val="90000"/>
+      </a:schemeClr>
+    </dgm:fillClrLst>
+    <dgm:linClrLst meth="repeat">
+      <a:schemeClr val="accent1"/>
+    </dgm:linClrLst>
+    <dgm:effectClrLst/>
+    <dgm:txLinClrLst/>
+    <dgm:txFillClrLst meth="repeat">
+      <a:schemeClr val="dk1"/>
+    </dgm:txFillClrLst>
+    <dgm:txEffectClrLst/>
+  </dgm:styleLbl>
+  <dgm:styleLbl name="fgAcc3">
+    <dgm:fillClrLst meth="repeat">
+      <a:schemeClr val="lt1">
+        <a:alpha val="90000"/>
+      </a:schemeClr>
+    </dgm:fillClrLst>
+    <dgm:linClrLst meth="repeat">
+      <a:schemeClr val="accent1"/>
+    </dgm:linClrLst>
+    <dgm:effectClrLst/>
+    <dgm:txLinClrLst/>
+    <dgm:txFillClrLst meth="repeat">
+      <a:schemeClr val="dk1"/>
+    </dgm:txFillClrLst>
+    <dgm:txEffectClrLst/>
+  </dgm:styleLbl>
+  <dgm:styleLbl name="fgAcc4">
+    <dgm:fillClrLst meth="repeat">
+      <a:schemeClr val="lt1">
+        <a:alpha val="90000"/>
+      </a:schemeClr>
+    </dgm:fillClrLst>
+    <dgm:linClrLst meth="repeat">
+      <a:schemeClr val="accent1"/>
+    </dgm:linClrLst>
+    <dgm:effectClrLst/>
+    <dgm:txLinClrLst/>
+    <dgm:txFillClrLst meth="repeat">
+      <a:schemeClr val="dk1"/>
+    </dgm:txFillClrLst>
+    <dgm:txEffectClrLst/>
+  </dgm:styleLbl>
+  <dgm:styleLbl name="bgShp">
+    <dgm:fillClrLst meth="repeat">
+      <a:schemeClr val="accent1">
+        <a:tint val="40000"/>
+      </a:schemeClr>
+    </dgm:fillClrLst>
+    <dgm:linClrLst meth="repeat">
+      <a:schemeClr val="accent1"/>
+    </dgm:linClrLst>
+    <dgm:effectClrLst/>
+    <dgm:txLinClrLst/>
+    <dgm:txFillClrLst meth="repeat">
+      <a:schemeClr val="dk1"/>
+    </dgm:txFillClrLst>
+    <dgm:txEffectClrLst/>
+  </dgm:styleLbl>
+  <dgm:styleLbl name="dkBgShp">
+    <dgm:fillClrLst meth="repeat">
+      <a:schemeClr val="accent1">
+        <a:shade val="80000"/>
+      </a:schemeClr>
+    </dgm:fillClrLst>
+    <dgm:linClrLst meth="repeat">
+      <a:schemeClr val="accent1"/>
+    </dgm:linClrLst>
+    <dgm:effectClrLst/>
+    <dgm:txLinClrLst/>
+    <dgm:txFillClrLst meth="repeat">
+      <a:schemeClr val="lt1"/>
+    </dgm:txFillClrLst>
+    <dgm:txEffectClrLst/>
+  </dgm:styleLbl>
+  <dgm:styleLbl name="trBgShp">
+    <dgm:fillClrLst meth="repeat">
+      <a:schemeClr val="accent1">
+        <a:tint val="50000"/>
+        <a:alpha val="40000"/>
+      </a:schemeClr>
+    </dgm:fillClrLst>
+    <dgm:linClrLst meth="repeat">
+      <a:schemeClr val="accent1"/>
+    </dgm:linClrLst>
+    <dgm:effectClrLst/>
+    <dgm:txLinClrLst/>
+    <dgm:txFillClrLst meth="repeat">
+      <a:schemeClr val="lt1"/>
+    </dgm:txFillClrLst>
+    <dgm:txEffectClrLst/>
+  </dgm:styleLbl>
+  <dgm:styleLbl name="fgShp">
+    <dgm:fillClrLst meth="repeat">
+      <a:schemeClr val="accent1">
+        <a:tint val="60000"/>
+      </a:schemeClr>
+    </dgm:fillClrLst>
+    <dgm:linClrLst meth="repeat">
+      <a:schemeClr val="lt1"/>
+    </dgm:linClrLst>
+    <dgm:effectClrLst/>
+    <dgm:txLinClrLst/>
+    <dgm:txFillClrLst meth="repeat">
+      <a:schemeClr val="dk1"/>
+    </dgm:txFillClrLst>
+    <dgm:txEffectClrLst/>
+  </dgm:styleLbl>
+  <dgm:styleLbl name="revTx">
+    <dgm:fillClrLst meth="repeat">
+      <a:schemeClr val="lt1">
+        <a:alpha val="0"/>
+      </a:schemeClr>
+    </dgm:fillClrLst>
+    <dgm:linClrLst meth="repeat">
+      <a:schemeClr val="dk1">
+        <a:alpha val="0"/>
+      </a:schemeClr>
+    </dgm:linClrLst>
+    <dgm:effectClrLst/>
+    <dgm:txLinClrLst/>
+    <dgm:txFillClrLst meth="repeat">
+      <a:schemeClr val="tx1"/>
+    </dgm:txFillClrLst>
+    <dgm:txEffectClrLst/>
+  </dgm:styleLbl>
+</dgm:colorsDef>
+</file>
+
+<file path=ppt/diagrams/data1.xml><?xml version="1.0" encoding="utf-8"?>
+<dgm:dataModel xmlns:dgm="http://schemas.openxmlformats.org/drawingml/2006/diagram" xmlns:a="http://schemas.openxmlformats.org/drawingml/2006/main">
+  <dgm:ptLst>
+    <dgm:pt modelId="{9520E903-E833-4FB3-A9F6-038F26A53D33}" type="doc">
+      <dgm:prSet loTypeId="urn:microsoft.com/office/officeart/2018/2/layout/IconVerticalSolidList" loCatId="icon" qsTypeId="urn:microsoft.com/office/officeart/2005/8/quickstyle/simple1" qsCatId="simple" csTypeId="urn:microsoft.com/office/officeart/2005/8/colors/accent1_2" csCatId="accent1" phldr="1"/>
+      <dgm:spPr/>
+      <dgm:t>
+        <a:bodyPr/>
+        <a:lstStyle/>
+        <a:p>
+          <a:endParaRPr lang="en-US"/>
+        </a:p>
+      </dgm:t>
+    </dgm:pt>
+    <dgm:pt modelId="{444C1F3B-E9CC-4848-8C24-F78A51EBF3C5}">
+      <dgm:prSet/>
+      <dgm:spPr/>
+      <dgm:t>
+        <a:bodyPr/>
+        <a:lstStyle/>
+        <a:p>
+          <a:pPr>
+            <a:lnSpc>
+              <a:spcPct val="100000"/>
+            </a:lnSpc>
+          </a:pPr>
+          <a:r>
+            <a:rPr lang="en-US" dirty="0"/>
+            <a:t>Are suppliers meeting their delivery deadlines, or is there a significant discrepancy between expected and actual delivery times?</a:t>
+          </a:r>
+        </a:p>
+      </dgm:t>
+    </dgm:pt>
+    <dgm:pt modelId="{C520DE68-08F5-4482-9309-64DB7942CB06}" type="parTrans" cxnId="{C1B929F7-537E-4B73-B6EF-46227343F583}">
+      <dgm:prSet/>
+      <dgm:spPr/>
+      <dgm:t>
+        <a:bodyPr/>
+        <a:lstStyle/>
+        <a:p>
+          <a:endParaRPr lang="en-US"/>
+        </a:p>
+      </dgm:t>
+    </dgm:pt>
+    <dgm:pt modelId="{3F4904D7-2952-402B-9216-6D5514C4731B}" type="sibTrans" cxnId="{C1B929F7-537E-4B73-B6EF-46227343F583}">
+      <dgm:prSet/>
+      <dgm:spPr/>
+      <dgm:t>
+        <a:bodyPr/>
+        <a:lstStyle/>
+        <a:p>
+          <a:endParaRPr lang="en-US"/>
+        </a:p>
+      </dgm:t>
+    </dgm:pt>
+    <dgm:pt modelId="{852F904F-4285-446D-B92E-10D9DB3C73B6}">
+      <dgm:prSet/>
+      <dgm:spPr/>
+      <dgm:t>
+        <a:bodyPr/>
+        <a:lstStyle/>
+        <a:p>
+          <a:pPr>
+            <a:lnSpc>
+              <a:spcPct val="100000"/>
+            </a:lnSpc>
+          </a:pPr>
+          <a:r>
+            <a:rPr lang="en-US" b="1" dirty="0"/>
+            <a:t>Solution</a:t>
+          </a:r>
+          <a:r>
+            <a:rPr lang="en-US" b="0" dirty="0"/>
+            <a:t>: If a supplier has 3 or more late deliveries exceeding a week (out of 6), we will cease doing business with them.</a:t>
+          </a:r>
+        </a:p>
+      </dgm:t>
+    </dgm:pt>
+    <dgm:pt modelId="{2DDDC86C-9E8B-44C6-ADEB-4C6F59ACACE9}" type="parTrans" cxnId="{2E2A4642-CAB0-40C2-B2B9-C9BBBCDB67F3}">
+      <dgm:prSet/>
+      <dgm:spPr/>
+      <dgm:t>
+        <a:bodyPr/>
+        <a:lstStyle/>
+        <a:p>
+          <a:endParaRPr lang="en-US"/>
+        </a:p>
+      </dgm:t>
+    </dgm:pt>
+    <dgm:pt modelId="{DAF7EDBF-162F-4CE9-BAD7-A6BC3D46D6A2}" type="sibTrans" cxnId="{2E2A4642-CAB0-40C2-B2B9-C9BBBCDB67F3}">
+      <dgm:prSet/>
+      <dgm:spPr/>
+      <dgm:t>
+        <a:bodyPr/>
+        <a:lstStyle/>
+        <a:p>
+          <a:endParaRPr lang="en-US"/>
+        </a:p>
+      </dgm:t>
+    </dgm:pt>
+    <dgm:pt modelId="{69FD7CA0-C9A5-4FD0-8B5B-6FFEC85958C6}">
+      <dgm:prSet/>
+      <dgm:spPr/>
+      <dgm:t>
+        <a:bodyPr/>
+        <a:lstStyle/>
+        <a:p>
+          <a:pPr>
+            <a:lnSpc>
+              <a:spcPct val="100000"/>
+            </a:lnSpc>
+          </a:pPr>
+          <a:r>
+            <a:rPr lang="en-US"/>
+            <a:t>Are all wines selling as expected? Is any wine underperforming? Which distributor handles each wine?</a:t>
+          </a:r>
+        </a:p>
+      </dgm:t>
+    </dgm:pt>
+    <dgm:pt modelId="{F5D82E4F-C107-4211-9033-C3E47AA28C47}" type="parTrans" cxnId="{CFE78A9D-EBD2-4284-B568-1C1929EBBD1D}">
+      <dgm:prSet/>
+      <dgm:spPr/>
+      <dgm:t>
+        <a:bodyPr/>
+        <a:lstStyle/>
+        <a:p>
+          <a:endParaRPr lang="en-US"/>
+        </a:p>
+      </dgm:t>
+    </dgm:pt>
+    <dgm:pt modelId="{488408D1-BA73-4DDE-B42D-1F7B98F68A1E}" type="sibTrans" cxnId="{CFE78A9D-EBD2-4284-B568-1C1929EBBD1D}">
+      <dgm:prSet/>
+      <dgm:spPr/>
+      <dgm:t>
+        <a:bodyPr/>
+        <a:lstStyle/>
+        <a:p>
+          <a:endParaRPr lang="en-US"/>
+        </a:p>
+      </dgm:t>
+    </dgm:pt>
+    <dgm:pt modelId="{050FEB62-9F7A-4C1A-9C18-973398D5DADB}">
+      <dgm:prSet/>
+      <dgm:spPr/>
+      <dgm:t>
+        <a:bodyPr/>
+        <a:lstStyle/>
+        <a:p>
+          <a:pPr>
+            <a:lnSpc>
+              <a:spcPct val="100000"/>
+            </a:lnSpc>
+          </a:pPr>
+          <a:r>
+            <a:rPr lang="en-US" b="1" dirty="0"/>
+            <a:t>Solution</a:t>
+          </a:r>
+          <a:r>
+            <a:rPr lang="en-US" dirty="0"/>
+            <a:t>: Adjust wine production based on demand: reduce production if orders are less than production, and increase it if orders exceed production.</a:t>
+          </a:r>
+        </a:p>
+      </dgm:t>
+    </dgm:pt>
+    <dgm:pt modelId="{C99B3F02-8A51-4423-A982-CD98124D7EB6}" type="parTrans" cxnId="{C2C19AE8-4323-4926-ACB1-319510523CB4}">
+      <dgm:prSet/>
+      <dgm:spPr/>
+      <dgm:t>
+        <a:bodyPr/>
+        <a:lstStyle/>
+        <a:p>
+          <a:endParaRPr lang="en-US"/>
+        </a:p>
+      </dgm:t>
+    </dgm:pt>
+    <dgm:pt modelId="{9FA1554B-7DA2-4D30-BC77-3094F4435F71}" type="sibTrans" cxnId="{C2C19AE8-4323-4926-ACB1-319510523CB4}">
+      <dgm:prSet/>
+      <dgm:spPr/>
+      <dgm:t>
+        <a:bodyPr/>
+        <a:lstStyle/>
+        <a:p>
+          <a:endParaRPr lang="en-US"/>
+        </a:p>
+      </dgm:t>
+    </dgm:pt>
+    <dgm:pt modelId="{96DA8ACE-7536-48AA-B530-6C14C29DD274}">
+      <dgm:prSet/>
+      <dgm:spPr/>
+      <dgm:t>
+        <a:bodyPr/>
+        <a:lstStyle/>
+        <a:p>
+          <a:pPr>
+            <a:lnSpc>
+              <a:spcPct val="100000"/>
+            </a:lnSpc>
+          </a:pPr>
+          <a:r>
+            <a:rPr lang="en-US"/>
+            <a:t>How many hours did each employee work over the past four quarters?</a:t>
+          </a:r>
+        </a:p>
+      </dgm:t>
+    </dgm:pt>
+    <dgm:pt modelId="{4EB15E8B-97B7-4435-B316-66D8CA87E6C8}" type="parTrans" cxnId="{7E1738AE-61EE-4DE9-9614-C9A522C9C620}">
+      <dgm:prSet/>
+      <dgm:spPr/>
+      <dgm:t>
+        <a:bodyPr/>
+        <a:lstStyle/>
+        <a:p>
+          <a:endParaRPr lang="en-US"/>
+        </a:p>
+      </dgm:t>
+    </dgm:pt>
+    <dgm:pt modelId="{E9C28FEF-78A6-45EB-A151-5135FC50F9E2}" type="sibTrans" cxnId="{7E1738AE-61EE-4DE9-9614-C9A522C9C620}">
+      <dgm:prSet/>
+      <dgm:spPr/>
+      <dgm:t>
+        <a:bodyPr/>
+        <a:lstStyle/>
+        <a:p>
+          <a:endParaRPr lang="en-US"/>
+        </a:p>
+      </dgm:t>
+    </dgm:pt>
+    <dgm:pt modelId="{11FA69B1-DBE2-4B8D-AFD3-2B1A18009F38}">
+      <dgm:prSet/>
+      <dgm:spPr/>
+      <dgm:t>
+        <a:bodyPr/>
+        <a:lstStyle/>
+        <a:p>
+          <a:pPr>
+            <a:lnSpc>
+              <a:spcPct val="100000"/>
+            </a:lnSpc>
+          </a:pPr>
+          <a:r>
+            <a:rPr lang="en-US" b="1" dirty="0"/>
+            <a:t>Solution</a:t>
+          </a:r>
+          <a:r>
+            <a:rPr lang="en-US" dirty="0"/>
+            <a:t>: Employees missing over 5 but fewer than 10 business days will receive a warning. Those missing 10 or more business days will be terminated.</a:t>
+          </a:r>
+        </a:p>
+      </dgm:t>
+    </dgm:pt>
+    <dgm:pt modelId="{1B6A5C83-C6C0-47E9-9005-BB49F3690FE1}" type="parTrans" cxnId="{B515544A-609C-45AF-ADCF-E1893DDF783E}">
+      <dgm:prSet/>
+      <dgm:spPr/>
+      <dgm:t>
+        <a:bodyPr/>
+        <a:lstStyle/>
+        <a:p>
+          <a:endParaRPr lang="en-US"/>
+        </a:p>
+      </dgm:t>
+    </dgm:pt>
+    <dgm:pt modelId="{A74D4AB5-D8AF-44F1-8056-ADA6C7B818AC}" type="sibTrans" cxnId="{B515544A-609C-45AF-ADCF-E1893DDF783E}">
+      <dgm:prSet/>
+      <dgm:spPr/>
+      <dgm:t>
+        <a:bodyPr/>
+        <a:lstStyle/>
+        <a:p>
+          <a:endParaRPr lang="en-US"/>
+        </a:p>
+      </dgm:t>
+    </dgm:pt>
+    <dgm:pt modelId="{EF150141-E328-4E23-8A90-A014F8D14F29}" type="pres">
+      <dgm:prSet presAssocID="{9520E903-E833-4FB3-A9F6-038F26A53D33}" presName="root" presStyleCnt="0">
+        <dgm:presLayoutVars>
+          <dgm:dir/>
+          <dgm:resizeHandles val="exact"/>
+        </dgm:presLayoutVars>
+      </dgm:prSet>
+      <dgm:spPr/>
+    </dgm:pt>
+    <dgm:pt modelId="{405BA2E0-8C54-4385-8BF7-490A016B6ED3}" type="pres">
+      <dgm:prSet presAssocID="{444C1F3B-E9CC-4848-8C24-F78A51EBF3C5}" presName="compNode" presStyleCnt="0"/>
+      <dgm:spPr/>
+    </dgm:pt>
+    <dgm:pt modelId="{E2C2124E-700A-4340-8A78-7AAFB455BA74}" type="pres">
+      <dgm:prSet presAssocID="{444C1F3B-E9CC-4848-8C24-F78A51EBF3C5}" presName="bgRect" presStyleLbl="bgShp" presStyleIdx="0" presStyleCnt="3"/>
+      <dgm:spPr/>
+    </dgm:pt>
+    <dgm:pt modelId="{D8C17E4A-7B15-44F8-BC64-4741B42AF5FE}" type="pres">
+      <dgm:prSet presAssocID="{444C1F3B-E9CC-4848-8C24-F78A51EBF3C5}" presName="iconRect" presStyleLbl="node1" presStyleIdx="0" presStyleCnt="3"/>
+      <dgm:spPr>
+        <a:blipFill>
+          <a:blip xmlns:r="http://schemas.openxmlformats.org/officeDocument/2006/relationships" r:embed="rId1">
+            <a:extLst>
+              <a:ext uri="{28A0092B-C50C-407E-A947-70E740481C1C}">
+                <a14:useLocalDpi xmlns:a14="http://schemas.microsoft.com/office/drawing/2010/main" val="0"/>
+              </a:ext>
+              <a:ext uri="{96DAC541-7B7A-43D3-8B79-37D633B846F1}">
+                <asvg:svgBlip xmlns:asvg="http://schemas.microsoft.com/office/drawing/2016/SVG/main" r:embed="rId2"/>
+              </a:ext>
+            </a:extLst>
+          </a:blip>
+          <a:stretch>
+            <a:fillRect/>
+          </a:stretch>
+        </a:blipFill>
+      </dgm:spPr>
+      <dgm:extLst>
+        <a:ext uri="{E40237B7-FDA0-4F09-8148-C483321AD2D9}">
+          <dgm14:cNvPr xmlns:dgm14="http://schemas.microsoft.com/office/drawing/2010/diagram" id="0" name="" descr="Stopwatch"/>
+        </a:ext>
+      </dgm:extLst>
+    </dgm:pt>
+    <dgm:pt modelId="{3686ACA0-3EC4-4ABA-9DD3-9642F1F4ADC0}" type="pres">
+      <dgm:prSet presAssocID="{444C1F3B-E9CC-4848-8C24-F78A51EBF3C5}" presName="spaceRect" presStyleCnt="0"/>
+      <dgm:spPr/>
+    </dgm:pt>
+    <dgm:pt modelId="{3274E655-73C1-4A69-AB9C-1C954F3321C3}" type="pres">
+      <dgm:prSet presAssocID="{444C1F3B-E9CC-4848-8C24-F78A51EBF3C5}" presName="parTx" presStyleLbl="revTx" presStyleIdx="0" presStyleCnt="6">
+        <dgm:presLayoutVars>
+          <dgm:chMax val="0"/>
+          <dgm:chPref val="0"/>
+        </dgm:presLayoutVars>
+      </dgm:prSet>
+      <dgm:spPr/>
+    </dgm:pt>
+    <dgm:pt modelId="{CF8FD567-5187-4CDB-B923-63EBFECD8A9E}" type="pres">
+      <dgm:prSet presAssocID="{444C1F3B-E9CC-4848-8C24-F78A51EBF3C5}" presName="desTx" presStyleLbl="revTx" presStyleIdx="1" presStyleCnt="6">
+        <dgm:presLayoutVars/>
+      </dgm:prSet>
+      <dgm:spPr/>
+    </dgm:pt>
+    <dgm:pt modelId="{2DB6474A-329C-4F13-BD41-55F8500E872F}" type="pres">
+      <dgm:prSet presAssocID="{3F4904D7-2952-402B-9216-6D5514C4731B}" presName="sibTrans" presStyleCnt="0"/>
+      <dgm:spPr/>
+    </dgm:pt>
+    <dgm:pt modelId="{3AC27573-3884-4A01-865B-1839C32E8D4A}" type="pres">
+      <dgm:prSet presAssocID="{69FD7CA0-C9A5-4FD0-8B5B-6FFEC85958C6}" presName="compNode" presStyleCnt="0"/>
+      <dgm:spPr/>
+    </dgm:pt>
+    <dgm:pt modelId="{5D9765CB-6636-46AF-819B-D52B46EF66BA}" type="pres">
+      <dgm:prSet presAssocID="{69FD7CA0-C9A5-4FD0-8B5B-6FFEC85958C6}" presName="bgRect" presStyleLbl="bgShp" presStyleIdx="1" presStyleCnt="3"/>
+      <dgm:spPr/>
+    </dgm:pt>
+    <dgm:pt modelId="{CA59018F-5E07-4E18-AA85-E80227DE0874}" type="pres">
+      <dgm:prSet presAssocID="{69FD7CA0-C9A5-4FD0-8B5B-6FFEC85958C6}" presName="iconRect" presStyleLbl="node1" presStyleIdx="1" presStyleCnt="3"/>
+      <dgm:spPr>
+        <a:blipFill>
+          <a:blip xmlns:r="http://schemas.openxmlformats.org/officeDocument/2006/relationships" r:embed="rId3">
+            <a:extLst>
+              <a:ext uri="{28A0092B-C50C-407E-A947-70E740481C1C}">
+                <a14:useLocalDpi xmlns:a14="http://schemas.microsoft.com/office/drawing/2010/main" val="0"/>
+              </a:ext>
+              <a:ext uri="{96DAC541-7B7A-43D3-8B79-37D633B846F1}">
+                <asvg:svgBlip xmlns:asvg="http://schemas.microsoft.com/office/drawing/2016/SVG/main" r:embed="rId4"/>
+              </a:ext>
+            </a:extLst>
+          </a:blip>
+          <a:stretch>
+            <a:fillRect/>
+          </a:stretch>
+        </a:blipFill>
+      </dgm:spPr>
+      <dgm:extLst>
+        <a:ext uri="{E40237B7-FDA0-4F09-8148-C483321AD2D9}">
+          <dgm14:cNvPr xmlns:dgm14="http://schemas.microsoft.com/office/drawing/2010/diagram" id="0" name="" descr="Grapes"/>
+        </a:ext>
+      </dgm:extLst>
+    </dgm:pt>
+    <dgm:pt modelId="{EF39A431-F9A3-4982-BAFC-FB8E1C81E8CE}" type="pres">
+      <dgm:prSet presAssocID="{69FD7CA0-C9A5-4FD0-8B5B-6FFEC85958C6}" presName="spaceRect" presStyleCnt="0"/>
+      <dgm:spPr/>
+    </dgm:pt>
+    <dgm:pt modelId="{11D32263-C916-4D19-A278-ACDA3AE993C2}" type="pres">
+      <dgm:prSet presAssocID="{69FD7CA0-C9A5-4FD0-8B5B-6FFEC85958C6}" presName="parTx" presStyleLbl="revTx" presStyleIdx="2" presStyleCnt="6">
+        <dgm:presLayoutVars>
+          <dgm:chMax val="0"/>
+          <dgm:chPref val="0"/>
+        </dgm:presLayoutVars>
+      </dgm:prSet>
+      <dgm:spPr/>
+    </dgm:pt>
+    <dgm:pt modelId="{80D7DE8F-0DE8-472E-92A7-71F4D7382779}" type="pres">
+      <dgm:prSet presAssocID="{69FD7CA0-C9A5-4FD0-8B5B-6FFEC85958C6}" presName="desTx" presStyleLbl="revTx" presStyleIdx="3" presStyleCnt="6">
+        <dgm:presLayoutVars/>
+      </dgm:prSet>
+      <dgm:spPr/>
+    </dgm:pt>
+    <dgm:pt modelId="{08C95EE5-DFFC-42E6-B8D5-F848C384D5B3}" type="pres">
+      <dgm:prSet presAssocID="{488408D1-BA73-4DDE-B42D-1F7B98F68A1E}" presName="sibTrans" presStyleCnt="0"/>
+      <dgm:spPr/>
+    </dgm:pt>
+    <dgm:pt modelId="{E9E1BE42-FAD5-4E8F-8FA3-5909627BD680}" type="pres">
+      <dgm:prSet presAssocID="{96DA8ACE-7536-48AA-B530-6C14C29DD274}" presName="compNode" presStyleCnt="0"/>
+      <dgm:spPr/>
+    </dgm:pt>
+    <dgm:pt modelId="{88A8D2F5-D017-4458-8351-30FA03532A77}" type="pres">
+      <dgm:prSet presAssocID="{96DA8ACE-7536-48AA-B530-6C14C29DD274}" presName="bgRect" presStyleLbl="bgShp" presStyleIdx="2" presStyleCnt="3"/>
+      <dgm:spPr/>
+    </dgm:pt>
+    <dgm:pt modelId="{698AE145-F209-4044-A55E-06AFCA7CB5DA}" type="pres">
+      <dgm:prSet presAssocID="{96DA8ACE-7536-48AA-B530-6C14C29DD274}" presName="iconRect" presStyleLbl="node1" presStyleIdx="2" presStyleCnt="3"/>
+      <dgm:spPr>
+        <a:blipFill>
+          <a:blip xmlns:r="http://schemas.openxmlformats.org/officeDocument/2006/relationships" r:embed="rId5">
+            <a:extLst>
+              <a:ext uri="{28A0092B-C50C-407E-A947-70E740481C1C}">
+                <a14:useLocalDpi xmlns:a14="http://schemas.microsoft.com/office/drawing/2010/main" val="0"/>
+              </a:ext>
+              <a:ext uri="{96DAC541-7B7A-43D3-8B79-37D633B846F1}">
+                <asvg:svgBlip xmlns:asvg="http://schemas.microsoft.com/office/drawing/2016/SVG/main" r:embed="rId6"/>
+              </a:ext>
+            </a:extLst>
+          </a:blip>
+          <a:stretch>
+            <a:fillRect/>
+          </a:stretch>
+        </a:blipFill>
+      </dgm:spPr>
+      <dgm:extLst>
+        <a:ext uri="{E40237B7-FDA0-4F09-8148-C483321AD2D9}">
+          <dgm14:cNvPr xmlns:dgm14="http://schemas.microsoft.com/office/drawing/2010/diagram" id="0" name="" descr="Group of People"/>
+        </a:ext>
+      </dgm:extLst>
+    </dgm:pt>
+    <dgm:pt modelId="{6C1CB72F-7F1E-4777-A59E-0BB2AEBC28B6}" type="pres">
+      <dgm:prSet presAssocID="{96DA8ACE-7536-48AA-B530-6C14C29DD274}" presName="spaceRect" presStyleCnt="0"/>
+      <dgm:spPr/>
+    </dgm:pt>
+    <dgm:pt modelId="{45B231DA-2A47-468E-BA35-7AC9057209DD}" type="pres">
+      <dgm:prSet presAssocID="{96DA8ACE-7536-48AA-B530-6C14C29DD274}" presName="parTx" presStyleLbl="revTx" presStyleIdx="4" presStyleCnt="6">
+        <dgm:presLayoutVars>
+          <dgm:chMax val="0"/>
+          <dgm:chPref val="0"/>
+        </dgm:presLayoutVars>
+      </dgm:prSet>
+      <dgm:spPr/>
+    </dgm:pt>
+    <dgm:pt modelId="{5952F454-87E7-4382-97BE-D12A24B8F06A}" type="pres">
+      <dgm:prSet presAssocID="{96DA8ACE-7536-48AA-B530-6C14C29DD274}" presName="desTx" presStyleLbl="revTx" presStyleIdx="5" presStyleCnt="6">
+        <dgm:presLayoutVars/>
+      </dgm:prSet>
+      <dgm:spPr/>
+    </dgm:pt>
+  </dgm:ptLst>
+  <dgm:cxnLst>
+    <dgm:cxn modelId="{5F41B501-4BD9-4E46-ADCF-AFBB1E19267E}" type="presOf" srcId="{050FEB62-9F7A-4C1A-9C18-973398D5DADB}" destId="{80D7DE8F-0DE8-472E-92A7-71F4D7382779}" srcOrd="0" destOrd="0" presId="urn:microsoft.com/office/officeart/2018/2/layout/IconVerticalSolidList"/>
+    <dgm:cxn modelId="{CBAECE26-A056-40B1-BB30-DAAA94B66568}" type="presOf" srcId="{69FD7CA0-C9A5-4FD0-8B5B-6FFEC85958C6}" destId="{11D32263-C916-4D19-A278-ACDA3AE993C2}" srcOrd="0" destOrd="0" presId="urn:microsoft.com/office/officeart/2018/2/layout/IconVerticalSolidList"/>
+    <dgm:cxn modelId="{3CBB9239-B396-49FF-9A8A-BA8FE381BB84}" type="presOf" srcId="{444C1F3B-E9CC-4848-8C24-F78A51EBF3C5}" destId="{3274E655-73C1-4A69-AB9C-1C954F3321C3}" srcOrd="0" destOrd="0" presId="urn:microsoft.com/office/officeart/2018/2/layout/IconVerticalSolidList"/>
+    <dgm:cxn modelId="{EEE9275D-21E4-437F-984B-A618EE3F313F}" type="presOf" srcId="{852F904F-4285-446D-B92E-10D9DB3C73B6}" destId="{CF8FD567-5187-4CDB-B923-63EBFECD8A9E}" srcOrd="0" destOrd="0" presId="urn:microsoft.com/office/officeart/2018/2/layout/IconVerticalSolidList"/>
+    <dgm:cxn modelId="{2E2A4642-CAB0-40C2-B2B9-C9BBBCDB67F3}" srcId="{444C1F3B-E9CC-4848-8C24-F78A51EBF3C5}" destId="{852F904F-4285-446D-B92E-10D9DB3C73B6}" srcOrd="0" destOrd="0" parTransId="{2DDDC86C-9E8B-44C6-ADEB-4C6F59ACACE9}" sibTransId="{DAF7EDBF-162F-4CE9-BAD7-A6BC3D46D6A2}"/>
+    <dgm:cxn modelId="{C898FF47-11B5-4D2F-9A70-65C0945C1E0F}" type="presOf" srcId="{11FA69B1-DBE2-4B8D-AFD3-2B1A18009F38}" destId="{5952F454-87E7-4382-97BE-D12A24B8F06A}" srcOrd="0" destOrd="0" presId="urn:microsoft.com/office/officeart/2018/2/layout/IconVerticalSolidList"/>
+    <dgm:cxn modelId="{B515544A-609C-45AF-ADCF-E1893DDF783E}" srcId="{96DA8ACE-7536-48AA-B530-6C14C29DD274}" destId="{11FA69B1-DBE2-4B8D-AFD3-2B1A18009F38}" srcOrd="0" destOrd="0" parTransId="{1B6A5C83-C6C0-47E9-9005-BB49F3690FE1}" sibTransId="{A74D4AB5-D8AF-44F1-8056-ADA6C7B818AC}"/>
+    <dgm:cxn modelId="{9FC56059-2F86-4CB1-A442-401C3985CEC9}" type="presOf" srcId="{9520E903-E833-4FB3-A9F6-038F26A53D33}" destId="{EF150141-E328-4E23-8A90-A014F8D14F29}" srcOrd="0" destOrd="0" presId="urn:microsoft.com/office/officeart/2018/2/layout/IconVerticalSolidList"/>
+    <dgm:cxn modelId="{CFE78A9D-EBD2-4284-B568-1C1929EBBD1D}" srcId="{9520E903-E833-4FB3-A9F6-038F26A53D33}" destId="{69FD7CA0-C9A5-4FD0-8B5B-6FFEC85958C6}" srcOrd="1" destOrd="0" parTransId="{F5D82E4F-C107-4211-9033-C3E47AA28C47}" sibTransId="{488408D1-BA73-4DDE-B42D-1F7B98F68A1E}"/>
+    <dgm:cxn modelId="{19B987AB-51FA-487D-95A7-BD25406D13FE}" type="presOf" srcId="{96DA8ACE-7536-48AA-B530-6C14C29DD274}" destId="{45B231DA-2A47-468E-BA35-7AC9057209DD}" srcOrd="0" destOrd="0" presId="urn:microsoft.com/office/officeart/2018/2/layout/IconVerticalSolidList"/>
+    <dgm:cxn modelId="{7E1738AE-61EE-4DE9-9614-C9A522C9C620}" srcId="{9520E903-E833-4FB3-A9F6-038F26A53D33}" destId="{96DA8ACE-7536-48AA-B530-6C14C29DD274}" srcOrd="2" destOrd="0" parTransId="{4EB15E8B-97B7-4435-B316-66D8CA87E6C8}" sibTransId="{E9C28FEF-78A6-45EB-A151-5135FC50F9E2}"/>
+    <dgm:cxn modelId="{C2C19AE8-4323-4926-ACB1-319510523CB4}" srcId="{69FD7CA0-C9A5-4FD0-8B5B-6FFEC85958C6}" destId="{050FEB62-9F7A-4C1A-9C18-973398D5DADB}" srcOrd="0" destOrd="0" parTransId="{C99B3F02-8A51-4423-A982-CD98124D7EB6}" sibTransId="{9FA1554B-7DA2-4D30-BC77-3094F4435F71}"/>
+    <dgm:cxn modelId="{C1B929F7-537E-4B73-B6EF-46227343F583}" srcId="{9520E903-E833-4FB3-A9F6-038F26A53D33}" destId="{444C1F3B-E9CC-4848-8C24-F78A51EBF3C5}" srcOrd="0" destOrd="0" parTransId="{C520DE68-08F5-4482-9309-64DB7942CB06}" sibTransId="{3F4904D7-2952-402B-9216-6D5514C4731B}"/>
+    <dgm:cxn modelId="{4FC002DD-18BA-4930-8FAE-7BDDA969BB50}" type="presParOf" srcId="{EF150141-E328-4E23-8A90-A014F8D14F29}" destId="{405BA2E0-8C54-4385-8BF7-490A016B6ED3}" srcOrd="0" destOrd="0" presId="urn:microsoft.com/office/officeart/2018/2/layout/IconVerticalSolidList"/>
+    <dgm:cxn modelId="{801C212D-E042-4589-9333-E2850D5DFCC5}" type="presParOf" srcId="{405BA2E0-8C54-4385-8BF7-490A016B6ED3}" destId="{E2C2124E-700A-4340-8A78-7AAFB455BA74}" srcOrd="0" destOrd="0" presId="urn:microsoft.com/office/officeart/2018/2/layout/IconVerticalSolidList"/>
+    <dgm:cxn modelId="{F29FD6AF-7AB3-462B-95D0-48E285D62E8E}" type="presParOf" srcId="{405BA2E0-8C54-4385-8BF7-490A016B6ED3}" destId="{D8C17E4A-7B15-44F8-BC64-4741B42AF5FE}" srcOrd="1" destOrd="0" presId="urn:microsoft.com/office/officeart/2018/2/layout/IconVerticalSolidList"/>
+    <dgm:cxn modelId="{7037EC2B-5C85-4DBF-B14C-169BD5C0E378}" type="presParOf" srcId="{405BA2E0-8C54-4385-8BF7-490A016B6ED3}" destId="{3686ACA0-3EC4-4ABA-9DD3-9642F1F4ADC0}" srcOrd="2" destOrd="0" presId="urn:microsoft.com/office/officeart/2018/2/layout/IconVerticalSolidList"/>
+    <dgm:cxn modelId="{1E356193-37CB-45EE-8AC8-30C20A98DE01}" type="presParOf" srcId="{405BA2E0-8C54-4385-8BF7-490A016B6ED3}" destId="{3274E655-73C1-4A69-AB9C-1C954F3321C3}" srcOrd="3" destOrd="0" presId="urn:microsoft.com/office/officeart/2018/2/layout/IconVerticalSolidList"/>
+    <dgm:cxn modelId="{AA918C0B-A354-403D-BF72-C981D5104157}" type="presParOf" srcId="{405BA2E0-8C54-4385-8BF7-490A016B6ED3}" destId="{CF8FD567-5187-4CDB-B923-63EBFECD8A9E}" srcOrd="4" destOrd="0" presId="urn:microsoft.com/office/officeart/2018/2/layout/IconVerticalSolidList"/>
+    <dgm:cxn modelId="{1065DEBC-4246-4503-9B1D-67F995F7B5CE}" type="presParOf" srcId="{EF150141-E328-4E23-8A90-A014F8D14F29}" destId="{2DB6474A-329C-4F13-BD41-55F8500E872F}" srcOrd="1" destOrd="0" presId="urn:microsoft.com/office/officeart/2018/2/layout/IconVerticalSolidList"/>
+    <dgm:cxn modelId="{9305C163-0479-4BFD-92FF-92A715030419}" type="presParOf" srcId="{EF150141-E328-4E23-8A90-A014F8D14F29}" destId="{3AC27573-3884-4A01-865B-1839C32E8D4A}" srcOrd="2" destOrd="0" presId="urn:microsoft.com/office/officeart/2018/2/layout/IconVerticalSolidList"/>
+    <dgm:cxn modelId="{081CF4B5-765D-4F18-98F3-8D97AA00E066}" type="presParOf" srcId="{3AC27573-3884-4A01-865B-1839C32E8D4A}" destId="{5D9765CB-6636-46AF-819B-D52B46EF66BA}" srcOrd="0" destOrd="0" presId="urn:microsoft.com/office/officeart/2018/2/layout/IconVerticalSolidList"/>
+    <dgm:cxn modelId="{0DD4B99C-D419-4C70-9C3E-FC256E760F4A}" type="presParOf" srcId="{3AC27573-3884-4A01-865B-1839C32E8D4A}" destId="{CA59018F-5E07-4E18-AA85-E80227DE0874}" srcOrd="1" destOrd="0" presId="urn:microsoft.com/office/officeart/2018/2/layout/IconVerticalSolidList"/>
+    <dgm:cxn modelId="{6865F604-75FE-4580-904C-D113CA195788}" type="presParOf" srcId="{3AC27573-3884-4A01-865B-1839C32E8D4A}" destId="{EF39A431-F9A3-4982-BAFC-FB8E1C81E8CE}" srcOrd="2" destOrd="0" presId="urn:microsoft.com/office/officeart/2018/2/layout/IconVerticalSolidList"/>
+    <dgm:cxn modelId="{02ACAB9C-AD5C-4B28-9491-7EBFDA779A22}" type="presParOf" srcId="{3AC27573-3884-4A01-865B-1839C32E8D4A}" destId="{11D32263-C916-4D19-A278-ACDA3AE993C2}" srcOrd="3" destOrd="0" presId="urn:microsoft.com/office/officeart/2018/2/layout/IconVerticalSolidList"/>
+    <dgm:cxn modelId="{3A007AD8-0126-47AB-AA9C-2A4EB293B5C7}" type="presParOf" srcId="{3AC27573-3884-4A01-865B-1839C32E8D4A}" destId="{80D7DE8F-0DE8-472E-92A7-71F4D7382779}" srcOrd="4" destOrd="0" presId="urn:microsoft.com/office/officeart/2018/2/layout/IconVerticalSolidList"/>
+    <dgm:cxn modelId="{ED3F00D2-857E-4B2A-9B0D-DE0B9FF98290}" type="presParOf" srcId="{EF150141-E328-4E23-8A90-A014F8D14F29}" destId="{08C95EE5-DFFC-42E6-B8D5-F848C384D5B3}" srcOrd="3" destOrd="0" presId="urn:microsoft.com/office/officeart/2018/2/layout/IconVerticalSolidList"/>
+    <dgm:cxn modelId="{8FEE20DA-D0DE-479A-A4A6-C49675378592}" type="presParOf" srcId="{EF150141-E328-4E23-8A90-A014F8D14F29}" destId="{E9E1BE42-FAD5-4E8F-8FA3-5909627BD680}" srcOrd="4" destOrd="0" presId="urn:microsoft.com/office/officeart/2018/2/layout/IconVerticalSolidList"/>
+    <dgm:cxn modelId="{B3251163-E981-4C78-900D-3D707A87D22E}" type="presParOf" srcId="{E9E1BE42-FAD5-4E8F-8FA3-5909627BD680}" destId="{88A8D2F5-D017-4458-8351-30FA03532A77}" srcOrd="0" destOrd="0" presId="urn:microsoft.com/office/officeart/2018/2/layout/IconVerticalSolidList"/>
+    <dgm:cxn modelId="{AC2B461B-8EC1-4562-8BAB-459B8D985F13}" type="presParOf" srcId="{E9E1BE42-FAD5-4E8F-8FA3-5909627BD680}" destId="{698AE145-F209-4044-A55E-06AFCA7CB5DA}" srcOrd="1" destOrd="0" presId="urn:microsoft.com/office/officeart/2018/2/layout/IconVerticalSolidList"/>
+    <dgm:cxn modelId="{DC956A9E-D61C-4411-B7EF-1ADA2EC3A4BD}" type="presParOf" srcId="{E9E1BE42-FAD5-4E8F-8FA3-5909627BD680}" destId="{6C1CB72F-7F1E-4777-A59E-0BB2AEBC28B6}" srcOrd="2" destOrd="0" presId="urn:microsoft.com/office/officeart/2018/2/layout/IconVerticalSolidList"/>
+    <dgm:cxn modelId="{02B042DF-BC48-4783-8705-DE90D5A6AD8C}" type="presParOf" srcId="{E9E1BE42-FAD5-4E8F-8FA3-5909627BD680}" destId="{45B231DA-2A47-468E-BA35-7AC9057209DD}" srcOrd="3" destOrd="0" presId="urn:microsoft.com/office/officeart/2018/2/layout/IconVerticalSolidList"/>
+    <dgm:cxn modelId="{D1D2ECE7-32BF-403D-B302-0EF7D5CDAA87}" type="presParOf" srcId="{E9E1BE42-FAD5-4E8F-8FA3-5909627BD680}" destId="{5952F454-87E7-4382-97BE-D12A24B8F06A}" srcOrd="4" destOrd="0" presId="urn:microsoft.com/office/officeart/2018/2/layout/IconVerticalSolidList"/>
+  </dgm:cxnLst>
+  <dgm:bg/>
+  <dgm:whole/>
+  <dgm:extLst>
+    <a:ext uri="http://schemas.microsoft.com/office/drawing/2008/diagram">
+      <dsp:dataModelExt xmlns:dsp="http://schemas.microsoft.com/office/drawing/2008/diagram" relId="rId6" minVer="http://schemas.openxmlformats.org/drawingml/2006/diagram"/>
+    </a:ext>
+  </dgm:extLst>
+</dgm:dataModel>
+</file>
+
+<file path=ppt/diagrams/drawing1.xml><?xml version="1.0" encoding="utf-8"?>
+<dsp:drawing xmlns:dgm="http://schemas.openxmlformats.org/drawingml/2006/diagram" xmlns:dsp="http://schemas.microsoft.com/office/drawing/2008/diagram" xmlns:a="http://schemas.openxmlformats.org/drawingml/2006/main">
+  <dsp:spTree>
+    <dsp:nvGrpSpPr>
+      <dsp:cNvPr id="0" name=""/>
+      <dsp:cNvGrpSpPr/>
+    </dsp:nvGrpSpPr>
+    <dsp:grpSpPr/>
+    <dsp:sp modelId="{E2C2124E-700A-4340-8A78-7AAFB455BA74}">
+      <dsp:nvSpPr>
+        <dsp:cNvPr id="0" name=""/>
+        <dsp:cNvSpPr/>
+      </dsp:nvSpPr>
+      <dsp:spPr>
+        <a:xfrm>
+          <a:off x="0" y="2990"/>
+          <a:ext cx="8825659" cy="985492"/>
+        </a:xfrm>
+        <a:prstGeom prst="roundRect">
+          <a:avLst>
+            <a:gd name="adj" fmla="val 10000"/>
+          </a:avLst>
+        </a:prstGeom>
+        <a:solidFill>
+          <a:schemeClr val="accent1">
+            <a:tint val="40000"/>
+            <a:hueOff val="0"/>
+            <a:satOff val="0"/>
+            <a:lumOff val="0"/>
+            <a:alphaOff val="0"/>
+          </a:schemeClr>
+        </a:solidFill>
+        <a:ln>
+          <a:noFill/>
+        </a:ln>
+        <a:effectLst/>
+      </dsp:spPr>
+      <dsp:style>
+        <a:lnRef idx="0">
+          <a:scrgbClr r="0" g="0" b="0"/>
+        </a:lnRef>
+        <a:fillRef idx="1">
+          <a:scrgbClr r="0" g="0" b="0"/>
+        </a:fillRef>
+        <a:effectRef idx="0">
+          <a:scrgbClr r="0" g="0" b="0"/>
+        </a:effectRef>
+        <a:fontRef idx="minor"/>
+      </dsp:style>
+    </dsp:sp>
+    <dsp:sp modelId="{D8C17E4A-7B15-44F8-BC64-4741B42AF5FE}">
+      <dsp:nvSpPr>
+        <dsp:cNvPr id="0" name=""/>
+        <dsp:cNvSpPr/>
+      </dsp:nvSpPr>
+      <dsp:spPr>
+        <a:xfrm>
+          <a:off x="298111" y="224726"/>
+          <a:ext cx="542550" cy="542020"/>
+        </a:xfrm>
+        <a:prstGeom prst="rect">
+          <a:avLst/>
+        </a:prstGeom>
+        <a:blipFill>
+          <a:blip xmlns:r="http://schemas.openxmlformats.org/officeDocument/2006/relationships" r:embed="rId1">
+            <a:extLst>
+              <a:ext uri="{28A0092B-C50C-407E-A947-70E740481C1C}">
+                <a14:useLocalDpi xmlns:a14="http://schemas.microsoft.com/office/drawing/2010/main" val="0"/>
+              </a:ext>
+              <a:ext uri="{96DAC541-7B7A-43D3-8B79-37D633B846F1}">
+                <asvg:svgBlip xmlns:asvg="http://schemas.microsoft.com/office/drawing/2016/SVG/main" r:embed="rId2"/>
+              </a:ext>
+            </a:extLst>
+          </a:blip>
+          <a:stretch>
+            <a:fillRect/>
+          </a:stretch>
+        </a:blipFill>
+        <a:ln w="19050" cap="rnd" cmpd="sng" algn="ctr">
+          <a:solidFill>
+            <a:schemeClr val="lt1">
+              <a:hueOff val="0"/>
+              <a:satOff val="0"/>
+              <a:lumOff val="0"/>
+              <a:alphaOff val="0"/>
+            </a:schemeClr>
+          </a:solidFill>
+          <a:prstDash val="solid"/>
+        </a:ln>
+        <a:effectLst/>
+      </dsp:spPr>
+      <dsp:style>
+        <a:lnRef idx="2">
+          <a:scrgbClr r="0" g="0" b="0"/>
+        </a:lnRef>
+        <a:fillRef idx="1">
+          <a:scrgbClr r="0" g="0" b="0"/>
+        </a:fillRef>
+        <a:effectRef idx="0">
+          <a:scrgbClr r="0" g="0" b="0"/>
+        </a:effectRef>
+        <a:fontRef idx="minor">
+          <a:schemeClr val="lt1"/>
+        </a:fontRef>
+      </dsp:style>
+    </dsp:sp>
+    <dsp:sp modelId="{3274E655-73C1-4A69-AB9C-1C954F3321C3}">
+      <dsp:nvSpPr>
+        <dsp:cNvPr id="0" name=""/>
+        <dsp:cNvSpPr/>
+      </dsp:nvSpPr>
+      <dsp:spPr>
+        <a:xfrm>
+          <a:off x="1138773" y="2990"/>
+          <a:ext cx="3971546" cy="986455"/>
+        </a:xfrm>
+        <a:prstGeom prst="rect">
+          <a:avLst/>
+        </a:prstGeom>
+        <a:noFill/>
+        <a:ln>
+          <a:noFill/>
+        </a:ln>
+        <a:effectLst/>
+      </dsp:spPr>
+      <dsp:style>
+        <a:lnRef idx="0">
+          <a:scrgbClr r="0" g="0" b="0"/>
+        </a:lnRef>
+        <a:fillRef idx="0">
+          <a:scrgbClr r="0" g="0" b="0"/>
+        </a:fillRef>
+        <a:effectRef idx="0">
+          <a:scrgbClr r="0" g="0" b="0"/>
+        </a:effectRef>
+        <a:fontRef idx="minor"/>
+      </dsp:style>
+      <dsp:txBody>
+        <a:bodyPr spcFirstLastPara="0" vert="horz" wrap="square" lIns="104400" tIns="104400" rIns="104400" bIns="104400" numCol="1" spcCol="1270" anchor="ctr" anchorCtr="0">
+          <a:noAutofit/>
+        </a:bodyPr>
+        <a:lstStyle/>
+        <a:p>
+          <a:pPr marL="0" lvl="0" indent="0" algn="l" defTabSz="622300">
+            <a:lnSpc>
+              <a:spcPct val="100000"/>
+            </a:lnSpc>
+            <a:spcBef>
+              <a:spcPct val="0"/>
+            </a:spcBef>
+            <a:spcAft>
+              <a:spcPct val="35000"/>
+            </a:spcAft>
+            <a:buNone/>
+          </a:pPr>
+          <a:r>
+            <a:rPr lang="en-US" sz="1400" kern="1200" dirty="0"/>
+            <a:t>Are suppliers meeting their delivery deadlines, or is there a significant discrepancy between expected and actual delivery times?</a:t>
+          </a:r>
+        </a:p>
+      </dsp:txBody>
+      <dsp:txXfrm>
+        <a:off x="1138773" y="2990"/>
+        <a:ext cx="3971546" cy="986455"/>
+      </dsp:txXfrm>
+    </dsp:sp>
+    <dsp:sp modelId="{CF8FD567-5187-4CDB-B923-63EBFECD8A9E}">
+      <dsp:nvSpPr>
+        <dsp:cNvPr id="0" name=""/>
+        <dsp:cNvSpPr/>
+      </dsp:nvSpPr>
+      <dsp:spPr>
+        <a:xfrm>
+          <a:off x="5110320" y="2990"/>
+          <a:ext cx="3640187" cy="985492"/>
+        </a:xfrm>
+        <a:prstGeom prst="rect">
+          <a:avLst/>
+        </a:prstGeom>
+        <a:noFill/>
+        <a:ln>
+          <a:noFill/>
+        </a:ln>
+        <a:effectLst/>
+      </dsp:spPr>
+      <dsp:style>
+        <a:lnRef idx="0">
+          <a:scrgbClr r="0" g="0" b="0"/>
+        </a:lnRef>
+        <a:fillRef idx="0">
+          <a:scrgbClr r="0" g="0" b="0"/>
+        </a:fillRef>
+        <a:effectRef idx="0">
+          <a:scrgbClr r="0" g="0" b="0"/>
+        </a:effectRef>
+        <a:fontRef idx="minor"/>
+      </dsp:style>
+      <dsp:txBody>
+        <a:bodyPr spcFirstLastPara="0" vert="horz" wrap="square" lIns="104298" tIns="104298" rIns="104298" bIns="104298" numCol="1" spcCol="1270" anchor="ctr" anchorCtr="0">
+          <a:noAutofit/>
+        </a:bodyPr>
+        <a:lstStyle/>
+        <a:p>
+          <a:pPr marL="0" lvl="0" indent="0" algn="l" defTabSz="488950">
+            <a:lnSpc>
+              <a:spcPct val="100000"/>
+            </a:lnSpc>
+            <a:spcBef>
+              <a:spcPct val="0"/>
+            </a:spcBef>
+            <a:spcAft>
+              <a:spcPct val="35000"/>
+            </a:spcAft>
+            <a:buNone/>
+          </a:pPr>
+          <a:r>
+            <a:rPr lang="en-US" sz="1100" b="1" kern="1200" dirty="0"/>
+            <a:t>Solution</a:t>
+          </a:r>
+          <a:r>
+            <a:rPr lang="en-US" sz="1100" b="0" kern="1200" dirty="0"/>
+            <a:t>: If a supplier has 3 or more late deliveries exceeding a week (out of 6), we will cease doing business with them.</a:t>
+          </a:r>
+        </a:p>
+      </dsp:txBody>
+      <dsp:txXfrm>
+        <a:off x="5110320" y="2990"/>
+        <a:ext cx="3640187" cy="985492"/>
+      </dsp:txXfrm>
+    </dsp:sp>
+    <dsp:sp modelId="{5D9765CB-6636-46AF-819B-D52B46EF66BA}">
+      <dsp:nvSpPr>
+        <dsp:cNvPr id="0" name=""/>
+        <dsp:cNvSpPr/>
+      </dsp:nvSpPr>
+      <dsp:spPr>
+        <a:xfrm>
+          <a:off x="0" y="1214922"/>
+          <a:ext cx="8825659" cy="985492"/>
+        </a:xfrm>
+        <a:prstGeom prst="roundRect">
+          <a:avLst>
+            <a:gd name="adj" fmla="val 10000"/>
+          </a:avLst>
+        </a:prstGeom>
+        <a:solidFill>
+          <a:schemeClr val="accent1">
+            <a:tint val="40000"/>
+            <a:hueOff val="0"/>
+            <a:satOff val="0"/>
+            <a:lumOff val="0"/>
+            <a:alphaOff val="0"/>
+          </a:schemeClr>
+        </a:solidFill>
+        <a:ln>
+          <a:noFill/>
+        </a:ln>
+        <a:effectLst/>
+      </dsp:spPr>
+      <dsp:style>
+        <a:lnRef idx="0">
+          <a:scrgbClr r="0" g="0" b="0"/>
+        </a:lnRef>
+        <a:fillRef idx="1">
+          <a:scrgbClr r="0" g="0" b="0"/>
+        </a:fillRef>
+        <a:effectRef idx="0">
+          <a:scrgbClr r="0" g="0" b="0"/>
+        </a:effectRef>
+        <a:fontRef idx="minor"/>
+      </dsp:style>
+    </dsp:sp>
+    <dsp:sp modelId="{CA59018F-5E07-4E18-AA85-E80227DE0874}">
+      <dsp:nvSpPr>
+        <dsp:cNvPr id="0" name=""/>
+        <dsp:cNvSpPr/>
+      </dsp:nvSpPr>
+      <dsp:spPr>
+        <a:xfrm>
+          <a:off x="298111" y="1436657"/>
+          <a:ext cx="542550" cy="542020"/>
+        </a:xfrm>
+        <a:prstGeom prst="rect">
+          <a:avLst/>
+        </a:prstGeom>
+        <a:blipFill>
+          <a:blip xmlns:r="http://schemas.openxmlformats.org/officeDocument/2006/relationships" r:embed="rId3">
+            <a:extLst>
+              <a:ext uri="{28A0092B-C50C-407E-A947-70E740481C1C}">
+                <a14:useLocalDpi xmlns:a14="http://schemas.microsoft.com/office/drawing/2010/main" val="0"/>
+              </a:ext>
+              <a:ext uri="{96DAC541-7B7A-43D3-8B79-37D633B846F1}">
+                <asvg:svgBlip xmlns:asvg="http://schemas.microsoft.com/office/drawing/2016/SVG/main" r:embed="rId4"/>
+              </a:ext>
+            </a:extLst>
+          </a:blip>
+          <a:stretch>
+            <a:fillRect/>
+          </a:stretch>
+        </a:blipFill>
+        <a:ln w="19050" cap="rnd" cmpd="sng" algn="ctr">
+          <a:solidFill>
+            <a:schemeClr val="lt1">
+              <a:hueOff val="0"/>
+              <a:satOff val="0"/>
+              <a:lumOff val="0"/>
+              <a:alphaOff val="0"/>
+            </a:schemeClr>
+          </a:solidFill>
+          <a:prstDash val="solid"/>
+        </a:ln>
+        <a:effectLst/>
+      </dsp:spPr>
+      <dsp:style>
+        <a:lnRef idx="2">
+          <a:scrgbClr r="0" g="0" b="0"/>
+        </a:lnRef>
+        <a:fillRef idx="1">
+          <a:scrgbClr r="0" g="0" b="0"/>
+        </a:fillRef>
+        <a:effectRef idx="0">
+          <a:scrgbClr r="0" g="0" b="0"/>
+        </a:effectRef>
+        <a:fontRef idx="minor">
+          <a:schemeClr val="lt1"/>
+        </a:fontRef>
+      </dsp:style>
+    </dsp:sp>
+    <dsp:sp modelId="{11D32263-C916-4D19-A278-ACDA3AE993C2}">
+      <dsp:nvSpPr>
+        <dsp:cNvPr id="0" name=""/>
+        <dsp:cNvSpPr/>
+      </dsp:nvSpPr>
+      <dsp:spPr>
+        <a:xfrm>
+          <a:off x="1138773" y="1214922"/>
+          <a:ext cx="3971546" cy="986455"/>
+        </a:xfrm>
+        <a:prstGeom prst="rect">
+          <a:avLst/>
+        </a:prstGeom>
+        <a:noFill/>
+        <a:ln>
+          <a:noFill/>
+        </a:ln>
+        <a:effectLst/>
+      </dsp:spPr>
+      <dsp:style>
+        <a:lnRef idx="0">
+          <a:scrgbClr r="0" g="0" b="0"/>
+        </a:lnRef>
+        <a:fillRef idx="0">
+          <a:scrgbClr r="0" g="0" b="0"/>
+        </a:fillRef>
+        <a:effectRef idx="0">
+          <a:scrgbClr r="0" g="0" b="0"/>
+        </a:effectRef>
+        <a:fontRef idx="minor"/>
+      </dsp:style>
+      <dsp:txBody>
+        <a:bodyPr spcFirstLastPara="0" vert="horz" wrap="square" lIns="104400" tIns="104400" rIns="104400" bIns="104400" numCol="1" spcCol="1270" anchor="ctr" anchorCtr="0">
+          <a:noAutofit/>
+        </a:bodyPr>
+        <a:lstStyle/>
+        <a:p>
+          <a:pPr marL="0" lvl="0" indent="0" algn="l" defTabSz="622300">
+            <a:lnSpc>
+              <a:spcPct val="100000"/>
+            </a:lnSpc>
+            <a:spcBef>
+              <a:spcPct val="0"/>
+            </a:spcBef>
+            <a:spcAft>
+              <a:spcPct val="35000"/>
+            </a:spcAft>
+            <a:buNone/>
+          </a:pPr>
+          <a:r>
+            <a:rPr lang="en-US" sz="1400" kern="1200"/>
+            <a:t>Are all wines selling as expected? Is any wine underperforming? Which distributor handles each wine?</a:t>
+          </a:r>
+        </a:p>
+      </dsp:txBody>
+      <dsp:txXfrm>
+        <a:off x="1138773" y="1214922"/>
+        <a:ext cx="3971546" cy="986455"/>
+      </dsp:txXfrm>
+    </dsp:sp>
+    <dsp:sp modelId="{80D7DE8F-0DE8-472E-92A7-71F4D7382779}">
+      <dsp:nvSpPr>
+        <dsp:cNvPr id="0" name=""/>
+        <dsp:cNvSpPr/>
+      </dsp:nvSpPr>
+      <dsp:spPr>
+        <a:xfrm>
+          <a:off x="5110320" y="1214922"/>
+          <a:ext cx="3640187" cy="985492"/>
+        </a:xfrm>
+        <a:prstGeom prst="rect">
+          <a:avLst/>
+        </a:prstGeom>
+        <a:noFill/>
+        <a:ln>
+          <a:noFill/>
+        </a:ln>
+        <a:effectLst/>
+      </dsp:spPr>
+      <dsp:style>
+        <a:lnRef idx="0">
+          <a:scrgbClr r="0" g="0" b="0"/>
+        </a:lnRef>
+        <a:fillRef idx="0">
+          <a:scrgbClr r="0" g="0" b="0"/>
+        </a:fillRef>
+        <a:effectRef idx="0">
+          <a:scrgbClr r="0" g="0" b="0"/>
+        </a:effectRef>
+        <a:fontRef idx="minor"/>
+      </dsp:style>
+      <dsp:txBody>
+        <a:bodyPr spcFirstLastPara="0" vert="horz" wrap="square" lIns="104298" tIns="104298" rIns="104298" bIns="104298" numCol="1" spcCol="1270" anchor="ctr" anchorCtr="0">
+          <a:noAutofit/>
+        </a:bodyPr>
+        <a:lstStyle/>
+        <a:p>
+          <a:pPr marL="0" lvl="0" indent="0" algn="l" defTabSz="488950">
+            <a:lnSpc>
+              <a:spcPct val="100000"/>
+            </a:lnSpc>
+            <a:spcBef>
+              <a:spcPct val="0"/>
+            </a:spcBef>
+            <a:spcAft>
+              <a:spcPct val="35000"/>
+            </a:spcAft>
+            <a:buNone/>
+          </a:pPr>
+          <a:r>
+            <a:rPr lang="en-US" sz="1100" b="1" kern="1200" dirty="0"/>
+            <a:t>Solution</a:t>
+          </a:r>
+          <a:r>
+            <a:rPr lang="en-US" sz="1100" kern="1200" dirty="0"/>
+            <a:t>: Adjust wine production based on demand: reduce production if orders are less than production, and increase it if orders exceed production.</a:t>
+          </a:r>
+        </a:p>
+      </dsp:txBody>
+      <dsp:txXfrm>
+        <a:off x="5110320" y="1214922"/>
+        <a:ext cx="3640187" cy="985492"/>
+      </dsp:txXfrm>
+    </dsp:sp>
+    <dsp:sp modelId="{88A8D2F5-D017-4458-8351-30FA03532A77}">
+      <dsp:nvSpPr>
+        <dsp:cNvPr id="0" name=""/>
+        <dsp:cNvSpPr/>
+      </dsp:nvSpPr>
+      <dsp:spPr>
+        <a:xfrm>
+          <a:off x="0" y="2426853"/>
+          <a:ext cx="8825659" cy="985492"/>
+        </a:xfrm>
+        <a:prstGeom prst="roundRect">
+          <a:avLst>
+            <a:gd name="adj" fmla="val 10000"/>
+          </a:avLst>
+        </a:prstGeom>
+        <a:solidFill>
+          <a:schemeClr val="accent1">
+            <a:tint val="40000"/>
+            <a:hueOff val="0"/>
+            <a:satOff val="0"/>
+            <a:lumOff val="0"/>
+            <a:alphaOff val="0"/>
+          </a:schemeClr>
+        </a:solidFill>
+        <a:ln>
+          <a:noFill/>
+        </a:ln>
+        <a:effectLst/>
+      </dsp:spPr>
+      <dsp:style>
+        <a:lnRef idx="0">
+          <a:scrgbClr r="0" g="0" b="0"/>
+        </a:lnRef>
+        <a:fillRef idx="1">
+          <a:scrgbClr r="0" g="0" b="0"/>
+        </a:fillRef>
+        <a:effectRef idx="0">
+          <a:scrgbClr r="0" g="0" b="0"/>
+        </a:effectRef>
+        <a:fontRef idx="minor"/>
+      </dsp:style>
+    </dsp:sp>
+    <dsp:sp modelId="{698AE145-F209-4044-A55E-06AFCA7CB5DA}">
+      <dsp:nvSpPr>
+        <dsp:cNvPr id="0" name=""/>
+        <dsp:cNvSpPr/>
+      </dsp:nvSpPr>
+      <dsp:spPr>
+        <a:xfrm>
+          <a:off x="298111" y="2648589"/>
+          <a:ext cx="542550" cy="542020"/>
+        </a:xfrm>
+        <a:prstGeom prst="rect">
+          <a:avLst/>
+        </a:prstGeom>
+        <a:blipFill>
+          <a:blip xmlns:r="http://schemas.openxmlformats.org/officeDocument/2006/relationships" r:embed="rId5">
+            <a:extLst>
+              <a:ext uri="{28A0092B-C50C-407E-A947-70E740481C1C}">
+                <a14:useLocalDpi xmlns:a14="http://schemas.microsoft.com/office/drawing/2010/main" val="0"/>
+              </a:ext>
+              <a:ext uri="{96DAC541-7B7A-43D3-8B79-37D633B846F1}">
+                <asvg:svgBlip xmlns:asvg="http://schemas.microsoft.com/office/drawing/2016/SVG/main" r:embed="rId6"/>
+              </a:ext>
+            </a:extLst>
+          </a:blip>
+          <a:stretch>
+            <a:fillRect/>
+          </a:stretch>
+        </a:blipFill>
+        <a:ln w="19050" cap="rnd" cmpd="sng" algn="ctr">
+          <a:solidFill>
+            <a:schemeClr val="lt1">
+              <a:hueOff val="0"/>
+              <a:satOff val="0"/>
+              <a:lumOff val="0"/>
+              <a:alphaOff val="0"/>
+            </a:schemeClr>
+          </a:solidFill>
+          <a:prstDash val="solid"/>
+        </a:ln>
+        <a:effectLst/>
+      </dsp:spPr>
+      <dsp:style>
+        <a:lnRef idx="2">
+          <a:scrgbClr r="0" g="0" b="0"/>
+        </a:lnRef>
+        <a:fillRef idx="1">
+          <a:scrgbClr r="0" g="0" b="0"/>
+        </a:fillRef>
+        <a:effectRef idx="0">
+          <a:scrgbClr r="0" g="0" b="0"/>
+        </a:effectRef>
+        <a:fontRef idx="minor">
+          <a:schemeClr val="lt1"/>
+        </a:fontRef>
+      </dsp:style>
+    </dsp:sp>
+    <dsp:sp modelId="{45B231DA-2A47-468E-BA35-7AC9057209DD}">
+      <dsp:nvSpPr>
+        <dsp:cNvPr id="0" name=""/>
+        <dsp:cNvSpPr/>
+      </dsp:nvSpPr>
+      <dsp:spPr>
+        <a:xfrm>
+          <a:off x="1138773" y="2426853"/>
+          <a:ext cx="3971546" cy="986455"/>
+        </a:xfrm>
+        <a:prstGeom prst="rect">
+          <a:avLst/>
+        </a:prstGeom>
+        <a:noFill/>
+        <a:ln>
+          <a:noFill/>
+        </a:ln>
+        <a:effectLst/>
+      </dsp:spPr>
+      <dsp:style>
+        <a:lnRef idx="0">
+          <a:scrgbClr r="0" g="0" b="0"/>
+        </a:lnRef>
+        <a:fillRef idx="0">
+          <a:scrgbClr r="0" g="0" b="0"/>
+        </a:fillRef>
+        <a:effectRef idx="0">
+          <a:scrgbClr r="0" g="0" b="0"/>
+        </a:effectRef>
+        <a:fontRef idx="minor"/>
+      </dsp:style>
+      <dsp:txBody>
+        <a:bodyPr spcFirstLastPara="0" vert="horz" wrap="square" lIns="104400" tIns="104400" rIns="104400" bIns="104400" numCol="1" spcCol="1270" anchor="ctr" anchorCtr="0">
+          <a:noAutofit/>
+        </a:bodyPr>
+        <a:lstStyle/>
+        <a:p>
+          <a:pPr marL="0" lvl="0" indent="0" algn="l" defTabSz="622300">
+            <a:lnSpc>
+              <a:spcPct val="100000"/>
+            </a:lnSpc>
+            <a:spcBef>
+              <a:spcPct val="0"/>
+            </a:spcBef>
+            <a:spcAft>
+              <a:spcPct val="35000"/>
+            </a:spcAft>
+            <a:buNone/>
+          </a:pPr>
+          <a:r>
+            <a:rPr lang="en-US" sz="1400" kern="1200"/>
+            <a:t>How many hours did each employee work over the past four quarters?</a:t>
+          </a:r>
+        </a:p>
+      </dsp:txBody>
+      <dsp:txXfrm>
+        <a:off x="1138773" y="2426853"/>
+        <a:ext cx="3971546" cy="986455"/>
+      </dsp:txXfrm>
+    </dsp:sp>
+    <dsp:sp modelId="{5952F454-87E7-4382-97BE-D12A24B8F06A}">
+      <dsp:nvSpPr>
+        <dsp:cNvPr id="0" name=""/>
+        <dsp:cNvSpPr/>
+      </dsp:nvSpPr>
+      <dsp:spPr>
+        <a:xfrm>
+          <a:off x="5110320" y="2426853"/>
+          <a:ext cx="3640187" cy="985492"/>
+        </a:xfrm>
+        <a:prstGeom prst="rect">
+          <a:avLst/>
+        </a:prstGeom>
+        <a:noFill/>
+        <a:ln>
+          <a:noFill/>
+        </a:ln>
+        <a:effectLst/>
+      </dsp:spPr>
+      <dsp:style>
+        <a:lnRef idx="0">
+          <a:scrgbClr r="0" g="0" b="0"/>
+        </a:lnRef>
+        <a:fillRef idx="0">
+          <a:scrgbClr r="0" g="0" b="0"/>
+        </a:fillRef>
+        <a:effectRef idx="0">
+          <a:scrgbClr r="0" g="0" b="0"/>
+        </a:effectRef>
+        <a:fontRef idx="minor"/>
+      </dsp:style>
+      <dsp:txBody>
+        <a:bodyPr spcFirstLastPara="0" vert="horz" wrap="square" lIns="104298" tIns="104298" rIns="104298" bIns="104298" numCol="1" spcCol="1270" anchor="ctr" anchorCtr="0">
+          <a:noAutofit/>
+        </a:bodyPr>
+        <a:lstStyle/>
+        <a:p>
+          <a:pPr marL="0" lvl="0" indent="0" algn="l" defTabSz="488950">
+            <a:lnSpc>
+              <a:spcPct val="100000"/>
+            </a:lnSpc>
+            <a:spcBef>
+              <a:spcPct val="0"/>
+            </a:spcBef>
+            <a:spcAft>
+              <a:spcPct val="35000"/>
+            </a:spcAft>
+            <a:buNone/>
+          </a:pPr>
+          <a:r>
+            <a:rPr lang="en-US" sz="1100" b="1" kern="1200" dirty="0"/>
+            <a:t>Solution</a:t>
+          </a:r>
+          <a:r>
+            <a:rPr lang="en-US" sz="1100" kern="1200" dirty="0"/>
+            <a:t>: Employees missing over 5 but fewer than 10 business days will receive a warning. Those missing 10 or more business days will be terminated.</a:t>
+          </a:r>
+        </a:p>
+      </dsp:txBody>
+      <dsp:txXfrm>
+        <a:off x="5110320" y="2426853"/>
+        <a:ext cx="3640187" cy="985492"/>
+      </dsp:txXfrm>
+    </dsp:sp>
+  </dsp:spTree>
+</dsp:drawing>
+</file>
+
+<file path=ppt/diagrams/layout1.xml><?xml version="1.0" encoding="utf-8"?>
+<dgm:layoutDef xmlns:dgm="http://schemas.openxmlformats.org/drawingml/2006/diagram" xmlns:a="http://schemas.openxmlformats.org/drawingml/2006/main" uniqueId="urn:microsoft.com/office/officeart/2018/2/layout/IconVerticalSolidList">
+  <dgm:title val="Icon Vertical Solid List"/>
+  <dgm:desc val="Use to show a series of visuals from top to bottom with Level 1 or Level 1 and Level 2 text grouped in a shape. Works best with icons or small pictures with lengthier descriptions."/>
+  <dgm:catLst>
+    <dgm:cat type="icon" pri="500"/>
+  </dgm:catLst>
+  <dgm:sampData useDef="1">
+    <dgm:dataModel>
+      <dgm:ptLst/>
+      <dgm:bg/>
+      <dgm:whole/>
+    </dgm:dataModel>
+  </dgm:sampData>
+  <dgm:styleData useDef="1">
+    <dgm:dataModel>
+      <dgm:ptLst/>
+      <dgm:bg/>
+      <dgm:whole/>
+    </dgm:dataModel>
+  </dgm:styleData>
+  <dgm:clrData useDef="1">
+    <dgm:dataModel>
+      <dgm:ptLst/>
+      <dgm:bg/>
+      <dgm:whole/>
+    </dgm:dataModel>
+  </dgm:clrData>
+  <dgm:layoutNode name="root">
+    <dgm:varLst>
+      <dgm:dir/>
+      <dgm:resizeHandles val="exact"/>
+    </dgm:varLst>
+    <dgm:choose name="Name0">
+      <dgm:if name="Name1" axis="self" func="var" arg="dir" op="equ" val="norm">
+        <dgm:alg type="lin">
+          <dgm:param type="linDir" val="fromT"/>
+          <dgm:param type="nodeHorzAlign" val="l"/>
+        </dgm:alg>
+      </dgm:if>
+      <dgm:else name="Name2">
+        <dgm:alg type="lin">
+          <dgm:param type="linDir" val="fromT"/>
+          <dgm:param type="nodeHorzAlign" val="r"/>
+        </dgm:alg>
+      </dgm:else>
+    </dgm:choose>
+    <dgm:shape xmlns:r="http://schemas.openxmlformats.org/officeDocument/2006/relationships" r:blip="">
+      <dgm:adjLst/>
+    </dgm:shape>
+    <dgm:presOf/>
+    <dgm:choose name="Name3">
+      <dgm:if name="Name4" axis="ch" ptType="node" func="cnt" op="lte" val="3">
+        <dgm:constrLst>
+          <dgm:constr type="h" for="ch" forName="compNode" refType="h" fact="0.3"/>
+          <dgm:constr type="w" for="ch" forName="compNode" refType="w"/>
+          <dgm:constr type="h" for="ch" forName="sibTrans" refType="h" refFor="ch" refForName="compNode" fact="0.25"/>
+          <dgm:constr type="primFontSz" for="des" forName="parTx" val="25"/>
+          <dgm:constr type="primFontSz" for="des" forName="desTx" refType="primFontSz" refFor="des" refForName="parTx" op="lte" fact="0.75"/>
+          <dgm:constr type="h" for="des" forName="compNode" op="equ"/>
+          <dgm:constr type="h" for="des" forName="bgRect" op="equ"/>
+          <dgm:constr type="h" for="des" forName="iconRect" op="equ"/>
+          <dgm:constr type="w" for="des" forName="iconRect" op="equ"/>
+          <dgm:constr type="h" for="des" forName="spaceRect" op="equ"/>
+          <dgm:constr type="h" for="des" forName="parTx" op="equ"/>
+          <dgm:constr type="h" for="des" forName="desTx" op="equ"/>
+        </dgm:constrLst>
+      </dgm:if>
+      <dgm:if name="Name5" axis="ch" ptType="node" func="cnt" op="lte" val="4">
+        <dgm:constrLst>
+          <dgm:constr type="h" for="ch" forName="compNode" refType="h" fact="0.3"/>
+          <dgm:constr type="w" for="ch" forName="compNode" refType="w"/>
+          <dgm:constr type="h" for="ch" forName="sibTrans" refType="h" refFor="ch" refForName="compNode" fact="0.25"/>
+          <dgm:constr type="primFontSz" for="des" forName="parTx" val="22"/>
+          <dgm:constr type="primFontSz" for="des" forName="desTx" refType="primFontSz" refFor="des" refForName="parTx" op="lte" fact="0.75"/>
+          <dgm:constr type="h" for="des" forName="compNode" op="equ"/>
+          <dgm:constr type="h" for="des" forName="bgRect" op="equ"/>
+          <dgm:constr type="h" for="des" forName="iconRect" op="equ"/>
+          <dgm:constr type="w" for="des" forName="iconRect" op="equ"/>
+          <dgm:constr type="h" for="des" forName="spaceRect" op="equ"/>
+          <dgm:constr type="h" for="des" forName="parTx" op="equ"/>
+          <dgm:constr type="h" for="des" forName="desTx" op="equ"/>
+        </dgm:constrLst>
+      </dgm:if>
+      <dgm:if name="Name6" axis="ch" ptType="node" func="cnt" op="lte" val="6">
+        <dgm:constrLst>
+          <dgm:constr type="h" for="ch" forName="compNode" refType="h" fact="0.3"/>
+          <dgm:constr type="w" for="ch" forName="compNode" refType="w"/>
+          <dgm:constr type="h" for="ch" forName="sibTrans" refType="h" refFor="ch" refForName="compNode" fact="0.25"/>
+          <dgm:constr type="primFontSz" for="des" forName="parTx" val="19"/>
+          <dgm:constr type="primFontSz" for="des" forName="desTx" refType="primFontSz" refFor="des" refForName="parTx" op="lte" fact="0.75"/>
+          <dgm:constr type="h" for="des" forName="compNode" op="equ"/>
+          <dgm:constr type="h" for="des" forName="bgRect" op="equ"/>
+          <dgm:constr type="h" for="des" forName="iconRect" op="equ"/>
+          <dgm:constr type="w" for="des" forName="iconRect" op="equ"/>
+          <dgm:constr type="h" for="des" forName="spaceRect" op="equ"/>
+          <dgm:constr type="h" for="des" forName="parTx" op="equ"/>
+          <dgm:constr type="h" for="des" forName="desTx" op="equ"/>
+        </dgm:constrLst>
+      </dgm:if>
+      <dgm:else name="Name7">
+        <dgm:constrLst>
+          <dgm:constr type="h" for="ch" forName="compNode" refType="h" fact="0.3"/>
+          <dgm:constr type="w" for="ch" forName="compNode" refType="w"/>
+          <dgm:constr type="h" for="ch" forName="sibTrans" refType="h" refFor="ch" refForName="compNode" fact="0.25"/>
+          <dgm:constr type="primFontSz" for="des" forName="parTx" val="16"/>
+          <dgm:constr type="primFontSz" for="des" forName="desTx" refType="primFontSz" refFor="des" refForName="parTx" op="lte" fact="0.75"/>
+          <dgm:constr type="h" for="des" forName="compNode" op="equ"/>
+          <dgm:constr type="h" for="des" forName="bgRect" op="equ"/>
+          <dgm:constr type="h" for="des" forName="iconRect" op="equ"/>
+          <dgm:constr type="w" for="des" forName="iconRect" op="equ"/>
+          <dgm:constr type="h" for="des" forName="spaceRect" op="equ"/>
+          <dgm:constr type="h" for="des" forName="parTx" op="equ"/>
+          <dgm:constr type="h" for="des" forName="desTx" op="equ"/>
+        </dgm:constrLst>
+      </dgm:else>
+    </dgm:choose>
+    <dgm:ruleLst>
+      <dgm:rule type="h" for="ch" forName="compNode" val="0" fact="NaN" max="NaN"/>
+    </dgm:ruleLst>
+    <dgm:forEach name="Name8" axis="ch" ptType="node">
+      <dgm:layoutNode name="compNode">
+        <dgm:alg type="composite"/>
+        <dgm:shape xmlns:r="http://schemas.openxmlformats.org/officeDocument/2006/relationships" r:blip="">
+          <dgm:adjLst/>
+        </dgm:shape>
+        <dgm:presOf axis="self"/>
+        <dgm:choose name="Name9">
+          <dgm:if name="Name10" axis="ch" ptType="node" func="cnt" op="gte" val="1">
+            <dgm:constrLst>
+              <dgm:constr type="w" for="ch" forName="bgRect" refType="w"/>
+              <dgm:constr type="h" for="ch" forName="bgRect" refType="h"/>
+              <dgm:constr type="l" for="ch" forName="bgRect"/>
+              <dgm:constr type="t" for="ch" forName="bgRect"/>
+              <dgm:constr type="h" for="ch" forName="iconRect" refType="h" fact="0.55"/>
+              <dgm:constr type="w" for="ch" forName="iconRect" refType="h" refFor="ch" refForName="iconRect"/>
+              <dgm:constr type="l" for="ch" forName="iconRect" refType="h" refFor="ch" refForName="iconRect" fact="0.55"/>
+              <dgm:constr type="ctrY" for="ch" forName="iconRect" refType="ctrY" refFor="ch" refForName="bgRect"/>
+              <dgm:constr type="w" for="ch" forName="spaceRect" refType="l" refFor="ch" refForName="iconRect"/>
+              <dgm:constr type="h" for="ch" forName="spaceRect" refType="h"/>
+              <dgm:constr type="l" for="ch" forName="spaceRect" refType="r" refFor="ch" refForName="iconRect"/>
+              <dgm:constr type="t" for="ch" forName="spaceRect"/>
+              <dgm:constr type="w" for="ch" forName="parTx" refType="w" fact="0.45"/>
+              <dgm:constr type="h" for="ch" forName="parTx" refType="h"/>
+              <dgm:constr type="l" for="ch" forName="parTx" refType="r" refFor="ch" refForName="spaceRect"/>
+              <dgm:constr type="t" for="ch" forName="parTx"/>
+              <dgm:constr type="h" for="ch" forName="desTx" refType="h"/>
+              <dgm:constr type="l" for="ch" forName="desTx" refType="r" refFor="ch" refForName="parTx"/>
+              <dgm:constr type="t" for="ch" forName="desTx"/>
+            </dgm:constrLst>
+          </dgm:if>
+          <dgm:else name="Name11">
+            <dgm:constrLst>
+              <dgm:constr type="w" for="ch" forName="bgRect" refType="w"/>
+              <dgm:constr type="h" for="ch" forName="bgRect" refType="h"/>
+              <dgm:constr type="l" for="ch" forName="bgRect"/>
+              <dgm:constr type="t" for="ch" forName="bgRect"/>
+              <dgm:constr type="h" for="ch" forName="iconRect" refType="h" fact="0.55"/>
+              <dgm:constr type="w" for="ch" forName="iconRect" refType="h" refFor="ch" refForName="iconRect"/>
+              <dgm:constr type="l" for="ch" forName="iconRect" refType="h" refFor="ch" refForName="iconRect" fact="0.55"/>
+              <dgm:constr type="ctrY" for="ch" forName="iconRect" refType="ctrY" refFor="ch" refForName="bgRect"/>
+              <dgm:constr type="w" for="ch" forName="spaceRect" refType="l" refFor="ch" refForName="iconRect"/>
+              <dgm:constr type="h" for="ch" forName="spaceRect" refType="h"/>
+              <dgm:constr type="l" for="ch" forName="spaceRect" refType="r" refFor="ch" refForName="iconRect"/>
+              <dgm:constr type="t" for="ch" forName="spaceRect"/>
+              <dgm:constr type="h" for="ch" forName="parTx" refType="h"/>
+              <dgm:constr type="l" for="ch" forName="parTx" refType="r" refFor="ch" refForName="spaceRect"/>
+              <dgm:constr type="t" for="ch" forName="parTx"/>
+            </dgm:constrLst>
+          </dgm:else>
+        </dgm:choose>
+        <dgm:ruleLst>
+          <dgm:rule type="h" val="INF" fact="NaN" max="NaN"/>
+        </dgm:ruleLst>
+        <dgm:layoutNode name="bgRect" styleLbl="bgShp">
+          <dgm:alg type="sp"/>
+          <dgm:shape xmlns:r="http://schemas.openxmlformats.org/officeDocument/2006/relationships" type="roundRect" r:blip="">
+            <dgm:adjLst>
+              <dgm:adj idx="1" val="0.1"/>
+            </dgm:adjLst>
+          </dgm:shape>
+          <dgm:presOf/>
+          <dgm:constrLst/>
+          <dgm:ruleLst/>
+        </dgm:layoutNode>
+        <dgm:layoutNode name="iconRect" styleLbl="node1">
+          <dgm:alg type="sp"/>
+          <dgm:shape xmlns:r="http://schemas.openxmlformats.org/officeDocument/2006/relationships" type="rect" r:blip="" blipPhldr="1">
+            <dgm:adjLst/>
+          </dgm:shape>
+          <dgm:presOf/>
+          <dgm:constrLst/>
+          <dgm:ruleLst/>
+        </dgm:layoutNode>
+        <dgm:layoutNode name="spaceRect">
+          <dgm:alg type="sp"/>
+          <dgm:shape xmlns:r="http://schemas.openxmlformats.org/officeDocument/2006/relationships" r:blip="">
+            <dgm:adjLst/>
+          </dgm:shape>
+          <dgm:presOf/>
+          <dgm:constrLst/>
+          <dgm:ruleLst/>
+        </dgm:layoutNode>
+        <dgm:layoutNode name="parTx" styleLbl="revTx">
+          <dgm:varLst>
+            <dgm:chMax val="0"/>
+            <dgm:chPref val="0"/>
+          </dgm:varLst>
+          <dgm:alg type="tx">
+            <dgm:param type="txAnchorVert" val="mid"/>
+            <dgm:param type="parTxLTRAlign" val="l"/>
+            <dgm:param type="shpTxLTRAlignCh" val="l"/>
+            <dgm:param type="parTxRTLAlign" val="r"/>
+            <dgm:param type="shpTxRTLAlignCh" val="r"/>
+          </dgm:alg>
+          <dgm:shape xmlns:r="http://schemas.openxmlformats.org/officeDocument/2006/relationships" type="rect" r:blip="">
+            <dgm:adjLst/>
+          </dgm:shape>
+          <dgm:presOf axis="self" ptType="node"/>
+          <dgm:constrLst>
+            <dgm:constr type="lMarg" refType="h" fact="0.3"/>
+            <dgm:constr type="rMarg" refType="h" fact="0.3"/>
+            <dgm:constr type="tMarg" refType="h" fact="0.3"/>
+            <dgm:constr type="bMarg" refType="h" fact="0.3"/>
+          </dgm:constrLst>
+          <dgm:ruleLst>
+            <dgm:rule type="primFontSz" val="14" fact="NaN" max="NaN"/>
+            <dgm:rule type="h" val="INF" fact="NaN" max="NaN"/>
+          </dgm:ruleLst>
+        </dgm:layoutNode>
+        <dgm:choose name="Name12">
+          <dgm:if name="Name13" axis="ch" ptType="node" func="cnt" op="gte" val="1">
+            <dgm:layoutNode name="desTx" styleLbl="revTx">
+              <dgm:varLst/>
+              <dgm:alg type="tx">
+                <dgm:param type="txAnchorVertCh" val="mid"/>
+                <dgm:param type="parTxLTRAlign" val="l"/>
+                <dgm:param type="shpTxLTRAlignCh" val="l"/>
+                <dgm:param type="parTxRTLAlign" val="r"/>
+                <dgm:param type="shpTxRTLAlignCh" val="r"/>
+                <dgm:param type="stBulletLvl" val="0"/>
+              </dgm:alg>
+              <dgm:shape xmlns:r="http://schemas.openxmlformats.org/officeDocument/2006/relationships" type="rect" r:blip="">
+                <dgm:adjLst/>
+              </dgm:shape>
+              <dgm:presOf axis="des" ptType="node"/>
+              <dgm:constrLst>
+                <dgm:constr type="primFontSz" val="18"/>
+                <dgm:constr type="secFontSz" refType="primFontSz"/>
+                <dgm:constr type="lMarg" refType="h" fact="0.3"/>
+                <dgm:constr type="rMarg" refType="h" fact="0.3"/>
+                <dgm:constr type="tMarg" refType="h" fact="0.3"/>
+                <dgm:constr type="bMarg" refType="h" fact="0.3"/>
+              </dgm:constrLst>
+              <dgm:ruleLst>
+                <dgm:rule type="primFontSz" val="11" fact="NaN" max="NaN"/>
+              </dgm:ruleLst>
+            </dgm:layoutNode>
+          </dgm:if>
+          <dgm:else name="Name14"/>
+        </dgm:choose>
+      </dgm:layoutNode>
+      <dgm:forEach name="Name15" axis="followSib" ptType="sibTrans" cnt="1">
+        <dgm:layoutNode name="sibTrans">
+          <dgm:alg type="sp"/>
+          <dgm:shape xmlns:r="http://schemas.openxmlformats.org/officeDocument/2006/relationships" r:blip="">
+            <dgm:adjLst/>
+          </dgm:shape>
+          <dgm:presOf axis="self"/>
+          <dgm:constrLst/>
+          <dgm:ruleLst/>
+        </dgm:layoutNode>
+      </dgm:forEach>
+    </dgm:forEach>
+  </dgm:layoutNode>
+  <dgm:extLst>
+    <a:ext uri="{68A01E43-0DF5-4B5B-8FA6-DAF915123BFB}">
+      <dgm1612:lstStyle xmlns:dgm1612="http://schemas.microsoft.com/office/drawing/2016/12/diagram">
+        <a:lvl1pPr>
+          <a:lnSpc>
+            <a:spcPct val="100000"/>
+          </a:lnSpc>
+        </a:lvl1pPr>
+        <a:lvl2pPr>
+          <a:lnSpc>
+            <a:spcPct val="100000"/>
+          </a:lnSpc>
+        </a:lvl2pPr>
+      </dgm1612:lstStyle>
+    </a:ext>
+  </dgm:extLst>
+</dgm:layoutDef>
+</file>
+
+<file path=ppt/diagrams/quickStyle1.xml><?xml version="1.0" encoding="utf-8"?>
+<dgm:styleDef xmlns:dgm="http://schemas.openxmlformats.org/drawingml/2006/diagram" xmlns:a="http://schemas.openxmlformats.org/drawingml/2006/main" uniqueId="urn:microsoft.com/office/officeart/2005/8/quickstyle/simple1">
+  <dgm:title val=""/>
+  <dgm:desc val=""/>
+  <dgm:catLst>
+    <dgm:cat type="simple" pri="10100"/>
+  </dgm:catLst>
+  <dgm:scene3d>
+    <a:camera prst="orthographicFront"/>
+    <a:lightRig rig="threePt" dir="t"/>
+  </dgm:scene3d>
+  <dgm:styleLbl name="node0">
+    <dgm:scene3d>
+      <a:camera prst="orthographicFront"/>
+      <a:lightRig rig="threePt" dir="t"/>
+    </dgm:scene3d>
+    <dgm:sp3d/>
+    <dgm:txPr/>
+    <dgm:style>
+      <a:lnRef idx="2">
+        <a:scrgbClr r="0" g="0" b="0"/>
+      </a:lnRef>
+      <a:fillRef idx="1">
+        <a:scrgbClr r="0" g="0" b="0"/>
+      </a:fillRef>
+      <a:effectRef idx="0">
+        <a:scrgbClr r="0" g="0" b="0"/>
+      </a:effectRef>
+      <a:fontRef idx="minor">
+        <a:schemeClr val="lt1"/>
+      </a:fontRef>
+    </dgm:style>
+  </dgm:styleLbl>
+  <dgm:styleLbl name="lnNode1">
+    <dgm:scene3d>
+      <a:camera prst="orthographicFront"/>
+      <a:lightRig rig="threePt" dir="t"/>
+    </dgm:scene3d>
+    <dgm:sp3d/>
+    <dgm:txPr/>
+    <dgm:style>
+      <a:lnRef idx="2">
+        <a:scrgbClr r="0" g="0" b="0"/>
+      </a:lnRef>
+      <a:fillRef idx="1">
+        <a:scrgbClr r="0" g="0" b="0"/>
+      </a:fillRef>
+      <a:effectRef idx="0">
+        <a:scrgbClr r="0" g="0" b="0"/>
+      </a:effectRef>
+      <a:fontRef idx="minor">
+        <a:schemeClr val="lt1"/>
+      </a:fontRef>
+    </dgm:style>
+  </dgm:styleLbl>
+  <dgm:styleLbl name="vennNode1">
+    <dgm:scene3d>
+      <a:camera prst="orthographicFront"/>
+      <a:lightRig rig="threePt" dir="t"/>
+    </dgm:scene3d>
+    <dgm:sp3d/>
+    <dgm:txPr/>
+    <dgm:style>
+      <a:lnRef idx="2">
+        <a:scrgbClr r="0" g="0" b="0"/>
+      </a:lnRef>
+      <a:fillRef idx="1">
+        <a:scrgbClr r="0" g="0" b="0"/>
+      </a:fillRef>
+      <a:effectRef idx="0">
+        <a:scrgbClr r="0" g="0" b="0"/>
+      </a:effectRef>
+      <a:fontRef idx="minor">
+        <a:schemeClr val="tx1"/>
+      </a:fontRef>
+    </dgm:style>
+  </dgm:styleLbl>
+  <dgm:styleLbl name="alignNode1">
+    <dgm:scene3d>
+      <a:camera prst="orthographicFront"/>
+      <a:lightRig rig="threePt" dir="t"/>
+    </dgm:scene3d>
+    <dgm:sp3d/>
+    <dgm:txPr/>
+    <dgm:style>
+      <a:lnRef idx="2">
+        <a:scrgbClr r="0" g="0" b="0"/>
+      </a:lnRef>
+      <a:fillRef idx="1">
+        <a:scrgbClr r="0" g="0" b="0"/>
+      </a:fillRef>
+      <a:effectRef idx="0">
+        <a:scrgbClr r="0" g="0" b="0"/>
+      </a:effectRef>
+      <a:fontRef idx="minor">
+        <a:schemeClr val="lt1"/>
+      </a:fontRef>
+    </dgm:style>
+  </dgm:styleLbl>
+  <dgm:styleLbl name="node1">
+    <dgm:scene3d>
+      <a:camera prst="orthographicFront"/>
+      <a:lightRig rig="threePt" dir="t"/>
+    </dgm:scene3d>
+    <dgm:sp3d/>
+    <dgm:txPr/>
+    <dgm:style>
+      <a:lnRef idx="2">
+        <a:scrgbClr r="0" g="0" b="0"/>
+      </a:lnRef>
+      <a:fillRef idx="1">
+        <a:scrgbClr r="0" g="0" b="0"/>
+      </a:fillRef>
+      <a:effectRef idx="0">
+        <a:scrgbClr r="0" g="0" b="0"/>
+      </a:effectRef>
+      <a:fontRef idx="minor">
+        <a:schemeClr val="lt1"/>
+      </a:fontRef>
+    </dgm:style>
+  </dgm:styleLbl>
+  <dgm:styleLbl name="node2">
+    <dgm:scene3d>
+      <a:camera prst="orthographicFront"/>
+      <a:lightRig rig="threePt" dir="t"/>
+    </dgm:scene3d>
+    <dgm:sp3d/>
+    <dgm:txPr/>
+    <dgm:style>
+      <a:lnRef idx="2">
+        <a:scrgbClr r="0" g="0" b="0"/>
+      </a:lnRef>
+      <a:fillRef idx="1">
+        <a:scrgbClr r="0" g="0" b="0"/>
+      </a:fillRef>
+      <a:effectRef idx="0">
+        <a:scrgbClr r="0" g="0" b="0"/>
+      </a:effectRef>
+      <a:fontRef idx="minor">
+        <a:schemeClr val="lt1"/>
+      </a:fontRef>
+    </dgm:style>
+  </dgm:styleLbl>
+  <dgm:styleLbl name="node3">
+    <dgm:scene3d>
+      <a:camera prst="orthographicFront"/>
+      <a:lightRig rig="threePt" dir="t"/>
+    </dgm:scene3d>
+    <dgm:sp3d/>
+    <dgm:txPr/>
+    <dgm:style>
+      <a:lnRef idx="2">
+        <a:scrgbClr r="0" g="0" b="0"/>
+      </a:lnRef>
+      <a:fillRef idx="1">
+        <a:scrgbClr r="0" g="0" b="0"/>
+      </a:fillRef>
+      <a:effectRef idx="0">
+        <a:scrgbClr r="0" g="0" b="0"/>
+      </a:effectRef>
+      <a:fontRef idx="minor">
+        <a:schemeClr val="lt1"/>
+      </a:fontRef>
+    </dgm:style>
+  </dgm:styleLbl>
+  <dgm:styleLbl name="node4">
+    <dgm:scene3d>
+      <a:camera prst="orthographicFront"/>
+      <a:lightRig rig="threePt" dir="t"/>
+    </dgm:scene3d>
+    <dgm:sp3d/>
+    <dgm:txPr/>
+    <dgm:style>
+      <a:lnRef idx="2">
+        <a:scrgbClr r="0" g="0" b="0"/>
+      </a:lnRef>
+      <a:fillRef idx="1">
+        <a:scrgbClr r="0" g="0" b="0"/>
+      </a:fillRef>
+      <a:effectRef idx="0">
+        <a:scrgbClr r="0" g="0" b="0"/>
+      </a:effectRef>
+      <a:fontRef idx="minor">
+        <a:schemeClr val="lt1"/>
+      </a:fontRef>
+    </dgm:style>
+  </dgm:styleLbl>
+  <dgm:styleLbl name="fgImgPlace1">
+    <dgm:scene3d>
+      <a:camera prst="orthographicFront"/>
+      <a:lightRig rig="threePt" dir="t"/>
+    </dgm:scene3d>
+    <dgm:sp3d/>
+    <dgm:txPr/>
+    <dgm:style>
+      <a:lnRef idx="2">
+        <a:scrgbClr r="0" g="0" b="0"/>
+      </a:lnRef>
+      <a:fillRef idx="1">
+        <a:scrgbClr r="0" g="0" b="0"/>
+      </a:fillRef>
+      <a:effectRef idx="0">
+        <a:scrgbClr r="0" g="0" b="0"/>
+      </a:effectRef>
+      <a:fontRef idx="minor"/>
+    </dgm:style>
+  </dgm:styleLbl>
+  <dgm:styleLbl name="alignImgPlace1">
+    <dgm:scene3d>
+      <a:camera prst="orthographicFront"/>
+      <a:lightRig rig="threePt" dir="t"/>
+    </dgm:scene3d>
+    <dgm:sp3d/>
+    <dgm:txPr/>
+    <dgm:style>
+      <a:lnRef idx="2">
+        <a:scrgbClr r="0" g="0" b="0"/>
+      </a:lnRef>
+      <a:fillRef idx="1">
+        <a:scrgbClr r="0" g="0" b="0"/>
+      </a:fillRef>
+      <a:effectRef idx="0">
+        <a:scrgbClr r="0" g="0" b="0"/>
+      </a:effectRef>
+      <a:fontRef idx="minor"/>
+    </dgm:style>
+  </dgm:styleLbl>
+  <dgm:styleLbl name="bgImgPlace1">
+    <dgm:scene3d>
+      <a:camera prst="orthographicFront"/>
+      <a:lightRig rig="threePt" dir="t"/>
+    </dgm:scene3d>
+    <dgm:sp3d/>
+    <dgm:txPr/>
+    <dgm:style>
+      <a:lnRef idx="2">
+        <a:scrgbClr r="0" g="0" b="0"/>
+      </a:lnRef>
+      <a:fillRef idx="1">
+        <a:scrgbClr r="0" g="0" b="0"/>
+      </a:fillRef>
+      <a:effectRef idx="0">
+        <a:scrgbClr r="0" g="0" b="0"/>
+      </a:effectRef>
+      <a:fontRef idx="minor"/>
+    </dgm:style>
+  </dgm:styleLbl>
+  <dgm:styleLbl name="sibTrans2D1">
+    <dgm:scene3d>
+      <a:camera prst="orthographicFront"/>
+      <a:lightRig rig="threePt" dir="t"/>
+    </dgm:scene3d>
+    <dgm:sp3d/>
+    <dgm:txPr/>
+    <dgm:style>
+      <a:lnRef idx="0">
+        <a:scrgbClr r="0" g="0" b="0"/>
+      </a:lnRef>
+      <a:fillRef idx="1">
+        <a:scrgbClr r="0" g="0" b="0"/>
+      </a:fillRef>
+      <a:effectRef idx="0">
+        <a:scrgbClr r="0" g="0" b="0"/>
+      </a:effectRef>
+      <a:fontRef idx="minor">
+        <a:schemeClr val="lt1"/>
+      </a:fontRef>
+    </dgm:style>
+  </dgm:styleLbl>
+  <dgm:styleLbl name="fgSibTrans2D1">
+    <dgm:scene3d>
+      <a:camera prst="orthographicFront"/>
+      <a:lightRig rig="threePt" dir="t"/>
+    </dgm:scene3d>
+    <dgm:sp3d/>
+    <dgm:txPr/>
+    <dgm:style>
+      <a:lnRef idx="0">
+        <a:scrgbClr r="0" g="0" b="0"/>
+      </a:lnRef>
+      <a:fillRef idx="1">
+        <a:scrgbClr r="0" g="0" b="0"/>
+      </a:fillRef>
+      <a:effectRef idx="0">
+        <a:scrgbClr r="0" g="0" b="0"/>
+      </a:effectRef>
+      <a:fontRef idx="minor">
+        <a:schemeClr val="lt1"/>
+      </a:fontRef>
+    </dgm:style>
+  </dgm:styleLbl>
+  <dgm:styleLbl name="bgSibTrans2D1">
+    <dgm:scene3d>
+      <a:camera prst="orthographicFront"/>
+      <a:lightRig rig="threePt" dir="t"/>
+    </dgm:scene3d>
+    <dgm:sp3d/>
+    <dgm:txPr/>
+    <dgm:style>
+      <a:lnRef idx="0">
+        <a:scrgbClr r="0" g="0" b="0"/>
+      </a:lnRef>
+      <a:fillRef idx="1">
+        <a:scrgbClr r="0" g="0" b="0"/>
+      </a:fillRef>
+      <a:effectRef idx="0">
+        <a:scrgbClr r="0" g="0" b="0"/>
+      </a:effectRef>
+      <a:fontRef idx="minor">
+        <a:schemeClr val="lt1"/>
+      </a:fontRef>
+    </dgm:style>
+  </dgm:styleLbl>
+  <dgm:styleLbl name="sibTrans1D1">
+    <dgm:scene3d>
+      <a:camera prst="orthographicFront"/>
+      <a:lightRig rig="threePt" dir="t"/>
+    </dgm:scene3d>
+    <dgm:sp3d/>
+    <dgm:txPr/>
+    <dgm:style>
+      <a:lnRef idx="1">
+        <a:scrgbClr r="0" g="0" b="0"/>
+      </a:lnRef>
+      <a:fillRef idx="0">
+        <a:scrgbClr r="0" g="0" b="0"/>
+      </a:fillRef>
+      <a:effectRef idx="0">
+        <a:scrgbClr r="0" g="0" b="0"/>
+      </a:effectRef>
+      <a:fontRef idx="minor"/>
+    </dgm:style>
+  </dgm:styleLbl>
+  <dgm:styleLbl name="callout">
+    <dgm:scene3d>
+      <a:camera prst="orthographicFront"/>
+      <a:lightRig rig="threePt" dir="t"/>
+    </dgm:scene3d>
+    <dgm:sp3d/>
+    <dgm:txPr/>
+    <dgm:style>
+      <a:lnRef idx="2">
+        <a:scrgbClr r="0" g="0" b="0"/>
+      </a:lnRef>
+      <a:fillRef idx="1">
+        <a:scrgbClr r="0" g="0" b="0"/>
+      </a:fillRef>
+      <a:effectRef idx="0">
+        <a:scrgbClr r="0" g="0" b="0"/>
+      </a:effectRef>
+      <a:fontRef idx="minor"/>
+    </dgm:style>
+  </dgm:styleLbl>
+  <dgm:styleLbl name="asst0">
+    <dgm:scene3d>
+      <a:camera prst="orthographicFront"/>
+      <a:lightRig rig="threePt" dir="t"/>
+    </dgm:scene3d>
+    <dgm:sp3d/>
+    <dgm:txPr/>
+    <dgm:style>
+      <a:lnRef idx="2">
+        <a:scrgbClr r="0" g="0" b="0"/>
+      </a:lnRef>
+      <a:fillRef idx="1">
+        <a:scrgbClr r="0" g="0" b="0"/>
+      </a:fillRef>
+      <a:effectRef idx="0">
+        <a:scrgbClr r="0" g="0" b="0"/>
+      </a:effectRef>
+      <a:fontRef idx="minor">
+        <a:schemeClr val="lt1"/>
+      </a:fontRef>
+    </dgm:style>
+  </dgm:styleLbl>
+  <dgm:styleLbl name="asst1">
+    <dgm:scene3d>
+      <a:camera prst="orthographicFront"/>
+      <a:lightRig rig="threePt" dir="t"/>
+    </dgm:scene3d>
+    <dgm:sp3d/>
+    <dgm:txPr/>
+    <dgm:style>
+      <a:lnRef idx="2">
+        <a:scrgbClr r="0" g="0" b="0"/>
+      </a:lnRef>
+      <a:fillRef idx="1">
+        <a:scrgbClr r="0" g="0" b="0"/>
+      </a:fillRef>
+      <a:effectRef idx="0">
+        <a:scrgbClr r="0" g="0" b="0"/>
+      </a:effectRef>
+      <a:fontRef idx="minor">
+        <a:schemeClr val="lt1"/>
+      </a:fontRef>
+    </dgm:style>
+  </dgm:styleLbl>
+  <dgm:styleLbl name="asst2">
+    <dgm:scene3d>
+      <a:camera prst="orthographicFront"/>
+      <a:lightRig rig="threePt" dir="t"/>
+    </dgm:scene3d>
+    <dgm:sp3d/>
+    <dgm:txPr/>
+    <dgm:style>
+      <a:lnRef idx="2">
+        <a:scrgbClr r="0" g="0" b="0"/>
+      </a:lnRef>
+      <a:fillRef idx="1">
+        <a:scrgbClr r="0" g="0" b="0"/>
+      </a:fillRef>
+      <a:effectRef idx="0">
+        <a:scrgbClr r="0" g="0" b="0"/>
+      </a:effectRef>
+      <a:fontRef idx="minor">
+        <a:schemeClr val="lt1"/>
+      </a:fontRef>
+    </dgm:style>
+  </dgm:styleLbl>
+  <dgm:styleLbl name="asst3">
+    <dgm:scene3d>
+      <a:camera prst="orthographicFront"/>
+      <a:lightRig rig="threePt" dir="t"/>
+    </dgm:scene3d>
+    <dgm:sp3d/>
+    <dgm:txPr/>
+    <dgm:style>
+      <a:lnRef idx="2">
+        <a:scrgbClr r="0" g="0" b="0"/>
+      </a:lnRef>
+      <a:fillRef idx="1">
+        <a:scrgbClr r="0" g="0" b="0"/>
+      </a:fillRef>
+      <a:effectRef idx="0">
+        <a:scrgbClr r="0" g="0" b="0"/>
+      </a:effectRef>
+      <a:fontRef idx="minor">
+        <a:schemeClr val="lt1"/>
+      </a:fontRef>
+    </dgm:style>
+  </dgm:styleLbl>
+  <dgm:styleLbl name="asst4">
+    <dgm:scene3d>
+      <a:camera prst="orthographicFront"/>
+      <a:lightRig rig="threePt" dir="t"/>
+    </dgm:scene3d>
+    <dgm:sp3d/>
+    <dgm:txPr/>
+    <dgm:style>
+      <a:lnRef idx="2">
+        <a:scrgbClr r="0" g="0" b="0"/>
+      </a:lnRef>
+      <a:fillRef idx="1">
+        <a:scrgbClr r="0" g="0" b="0"/>
+      </a:fillRef>
+      <a:effectRef idx="0">
+        <a:scrgbClr r="0" g="0" b="0"/>
+      </a:effectRef>
+      <a:fontRef idx="minor">
+        <a:schemeClr val="lt1"/>
+      </a:fontRef>
+    </dgm:style>
+  </dgm:styleLbl>
+  <dgm:styleLbl name="parChTrans2D1">
+    <dgm:scene3d>
+      <a:camera prst="orthographicFront"/>
+      <a:lightRig rig="threePt" dir="t"/>
+    </dgm:scene3d>
+    <dgm:sp3d/>
+    <dgm:txPr/>
+    <dgm:style>
+      <a:lnRef idx="2">
+        <a:scrgbClr r="0" g="0" b="0"/>
+      </a:lnRef>
+      <a:fillRef idx="1">
+        <a:scrgbClr r="0" g="0" b="0"/>
+      </a:fillRef>
+      <a:effectRef idx="0">
+        <a:scrgbClr r="0" g="0" b="0"/>
+      </a:effectRef>
+      <a:fontRef idx="minor">
+        <a:schemeClr val="lt1"/>
+      </a:fontRef>
+    </dgm:style>
+  </dgm:styleLbl>
+  <dgm:styleLbl name="parChTrans2D2">
+    <dgm:scene3d>
+      <a:camera prst="orthographicFront"/>
+      <a:lightRig rig="threePt" dir="t"/>
+    </dgm:scene3d>
+    <dgm:sp3d/>
+    <dgm:txPr/>
+    <dgm:style>
+      <a:lnRef idx="2">
+        <a:scrgbClr r="0" g="0" b="0"/>
+      </a:lnRef>
+      <a:fillRef idx="1">
+        <a:scrgbClr r="0" g="0" b="0"/>
+      </a:fillRef>
+      <a:effectRef idx="0">
+        <a:scrgbClr r="0" g="0" b="0"/>
+      </a:effectRef>
+      <a:fontRef idx="minor">
+        <a:schemeClr val="lt1"/>
+      </a:fontRef>
+    </dgm:style>
+  </dgm:styleLbl>
+  <dgm:styleLbl name="parChTrans2D3">
+    <dgm:scene3d>
+      <a:camera prst="orthographicFront"/>
+      <a:lightRig rig="threePt" dir="t"/>
+    </dgm:scene3d>
+    <dgm:sp3d/>
+    <dgm:txPr/>
+    <dgm:style>
+      <a:lnRef idx="2">
+        <a:scrgbClr r="0" g="0" b="0"/>
+      </a:lnRef>
+      <a:fillRef idx="1">
+        <a:scrgbClr r="0" g="0" b="0"/>
+      </a:fillRef>
+      <a:effectRef idx="0">
+        <a:scrgbClr r="0" g="0" b="0"/>
+      </a:effectRef>
+      <a:fontRef idx="minor">
+        <a:schemeClr val="lt1"/>
+      </a:fontRef>
+    </dgm:style>
+  </dgm:styleLbl>
+  <dgm:styleLbl name="parChTrans2D4">
+    <dgm:scene3d>
+      <a:camera prst="orthographicFront"/>
+      <a:lightRig rig="threePt" dir="t"/>
+    </dgm:scene3d>
+    <dgm:sp3d/>
+    <dgm:txPr/>
+    <dgm:style>
+      <a:lnRef idx="2">
+        <a:scrgbClr r="0" g="0" b="0"/>
+      </a:lnRef>
+      <a:fillRef idx="1">
+        <a:scrgbClr r="0" g="0" b="0"/>
+      </a:fillRef>
+      <a:effectRef idx="0">
+        <a:scrgbClr r="0" g="0" b="0"/>
+      </a:effectRef>
+      <a:fontRef idx="minor">
+        <a:schemeClr val="lt1"/>
+      </a:fontRef>
+    </dgm:style>
+  </dgm:styleLbl>
+  <dgm:styleLbl name="parChTrans1D1">
+    <dgm:scene3d>
+      <a:camera prst="orthographicFront"/>
+      <a:lightRig rig="threePt" dir="t"/>
+    </dgm:scene3d>
+    <dgm:sp3d/>
+    <dgm:txPr/>
+    <dgm:style>
+      <a:lnRef idx="2">
+        <a:scrgbClr r="0" g="0" b="0"/>
+      </a:lnRef>
+      <a:fillRef idx="0">
+        <a:scrgbClr r="0" g="0" b="0"/>
+      </a:fillRef>
+      <a:effectRef idx="0">
+        <a:scrgbClr r="0" g="0" b="0"/>
+      </a:effectRef>
+      <a:fontRef idx="minor"/>
+    </dgm:style>
+  </dgm:styleLbl>
+  <dgm:styleLbl name="parChTrans1D2">
+    <dgm:scene3d>
+      <a:camera prst="orthographicFront"/>
+      <a:lightRig rig="threePt" dir="t"/>
+    </dgm:scene3d>
+    <dgm:sp3d/>
+    <dgm:txPr/>
+    <dgm:style>
+      <a:lnRef idx="2">
+        <a:scrgbClr r="0" g="0" b="0"/>
+      </a:lnRef>
+      <a:fillRef idx="0">
+        <a:scrgbClr r="0" g="0" b="0"/>
+      </a:fillRef>
+      <a:effectRef idx="0">
+        <a:scrgbClr r="0" g="0" b="0"/>
+      </a:effectRef>
+      <a:fontRef idx="minor"/>
+    </dgm:style>
+  </dgm:styleLbl>
+  <dgm:styleLbl name="parChTrans1D3">
+    <dgm:scene3d>
+      <a:camera prst="orthographicFront"/>
+      <a:lightRig rig="threePt" dir="t"/>
+    </dgm:scene3d>
+    <dgm:sp3d/>
+    <dgm:txPr/>
+    <dgm:style>
+      <a:lnRef idx="2">
+        <a:scrgbClr r="0" g="0" b="0"/>
+      </a:lnRef>
+      <a:fillRef idx="0">
+        <a:scrgbClr r="0" g="0" b="0"/>
+      </a:fillRef>
+      <a:effectRef idx="0">
+        <a:scrgbClr r="0" g="0" b="0"/>
+      </a:effectRef>
+      <a:fontRef idx="minor"/>
+    </dgm:style>
+  </dgm:styleLbl>
+  <dgm:styleLbl name="parChTrans1D4">
+    <dgm:scene3d>
+      <a:camera prst="orthographicFront"/>
+      <a:lightRig rig="threePt" dir="t"/>
+    </dgm:scene3d>
+    <dgm:sp3d/>
+    <dgm:txPr/>
+    <dgm:style>
+      <a:lnRef idx="2">
+        <a:scrgbClr r="0" g="0" b="0"/>
+      </a:lnRef>
+      <a:fillRef idx="0">
+        <a:scrgbClr r="0" g="0" b="0"/>
+      </a:fillRef>
+      <a:effectRef idx="0">
+        <a:scrgbClr r="0" g="0" b="0"/>
+      </a:effectRef>
+      <a:fontRef idx="minor"/>
+    </dgm:style>
+  </dgm:styleLbl>
+  <dgm:styleLbl name="fgAcc1">
+    <dgm:scene3d>
+      <a:camera prst="orthographicFront"/>
+      <a:lightRig rig="threePt" dir="t"/>
+    </dgm:scene3d>
+    <dgm:sp3d/>
+    <dgm:txPr/>
+    <dgm:style>
+      <a:lnRef idx="2">
+        <a:scrgbClr r="0" g="0" b="0"/>
+      </a:lnRef>
+      <a:fillRef idx="1">
+        <a:scrgbClr r="0" g="0" b="0"/>
+      </a:fillRef>
+      <a:effectRef idx="0">
+        <a:scrgbClr r="0" g="0" b="0"/>
+      </a:effectRef>
+      <a:fontRef idx="minor"/>
+    </dgm:style>
+  </dgm:styleLbl>
+  <dgm:styleLbl name="conFgAcc1">
+    <dgm:scene3d>
+      <a:camera prst="orthographicFront"/>
+      <a:lightRig rig="threePt" dir="t"/>
+    </dgm:scene3d>
+    <dgm:sp3d/>
+    <dgm:txPr/>
+    <dgm:style>
+      <a:lnRef idx="2">
+        <a:scrgbClr r="0" g="0" b="0"/>
+      </a:lnRef>
+      <a:fillRef idx="1">
+        <a:scrgbClr r="0" g="0" b="0"/>
+      </a:fillRef>
+      <a:effectRef idx="0">
+        <a:scrgbClr r="0" g="0" b="0"/>
+      </a:effectRef>
+      <a:fontRef idx="minor"/>
+    </dgm:style>
+  </dgm:styleLbl>
+  <dgm:styleLbl name="alignAcc1">
+    <dgm:scene3d>
+      <a:camera prst="orthographicFront"/>
+      <a:lightRig rig="threePt" dir="t"/>
+    </dgm:scene3d>
+    <dgm:sp3d/>
+    <dgm:txPr/>
+    <dgm:style>
+      <a:lnRef idx="2">
+        <a:scrgbClr r="0" g="0" b="0"/>
+      </a:lnRef>
+      <a:fillRef idx="1">
+        <a:scrgbClr r="0" g="0" b="0"/>
+      </a:fillRef>
+      <a:effectRef idx="0">
+        <a:scrgbClr r="0" g="0" b="0"/>
+      </a:effectRef>
+      <a:fontRef idx="minor"/>
+    </dgm:style>
+  </dgm:styleLbl>
+  <dgm:styleLbl name="trAlignAcc1">
+    <dgm:scene3d>
+      <a:camera prst="orthographicFront"/>
+      <a:lightRig rig="threePt" dir="t"/>
+    </dgm:scene3d>
+    <dgm:sp3d/>
+    <dgm:txPr/>
+    <dgm:style>
+      <a:lnRef idx="1">
+        <a:scrgbClr r="0" g="0" b="0"/>
+      </a:lnRef>
+      <a:fillRef idx="1">
+        <a:scrgbClr r="0" g="0" b="0"/>
+      </a:fillRef>
+      <a:effectRef idx="0">
+        <a:scrgbClr r="0" g="0" b="0"/>
+      </a:effectRef>
+      <a:fontRef idx="minor"/>
+    </dgm:style>
+  </dgm:styleLbl>
+  <dgm:styleLbl name="bgAcc1">
+    <dgm:scene3d>
+      <a:camera prst="orthographicFront"/>
+      <a:lightRig rig="threePt" dir="t"/>
+    </dgm:scene3d>
+    <dgm:sp3d/>
+    <dgm:txPr/>
+    <dgm:style>
+      <a:lnRef idx="2">
+        <a:scrgbClr r="0" g="0" b="0"/>
+      </a:lnRef>
+      <a:fillRef idx="1">
+        <a:scrgbClr r="0" g="0" b="0"/>
+      </a:fillRef>
+      <a:effectRef idx="0">
+        <a:scrgbClr r="0" g="0" b="0"/>
+      </a:effectRef>
+      <a:fontRef idx="minor"/>
+    </dgm:style>
+  </dgm:styleLbl>
+  <dgm:styleLbl name="solidFgAcc1">
+    <dgm:scene3d>
+      <a:camera prst="orthographicFront"/>
+      <a:lightRig rig="threePt" dir="t"/>
+    </dgm:scene3d>
+    <dgm:sp3d/>
+    <dgm:txPr/>
+    <dgm:style>
+      <a:lnRef idx="2">
+        <a:scrgbClr r="0" g="0" b="0"/>
+      </a:lnRef>
+      <a:fillRef idx="1">
+        <a:scrgbClr r="0" g="0" b="0"/>
+      </a:fillRef>
+      <a:effectRef idx="0">
+        <a:scrgbClr r="0" g="0" b="0"/>
+      </a:effectRef>
+      <a:fontRef idx="minor"/>
+    </dgm:style>
+  </dgm:styleLbl>
+  <dgm:styleLbl name="solidAlignAcc1">
+    <dgm:scene3d>
+      <a:camera prst="orthographicFront"/>
+      <a:lightRig rig="threePt" dir="t"/>
+    </dgm:scene3d>
+    <dgm:sp3d/>
+    <dgm:txPr/>
+    <dgm:style>
+      <a:lnRef idx="2">
+        <a:scrgbClr r="0" g="0" b="0"/>
+      </a:lnRef>
+      <a:fillRef idx="1">
+        <a:scrgbClr r="0" g="0" b="0"/>
+      </a:fillRef>
+      <a:effectRef idx="0">
+        <a:scrgbClr r="0" g="0" b="0"/>
+      </a:effectRef>
+      <a:fontRef idx="minor"/>
+    </dgm:style>
+  </dgm:styleLbl>
+  <dgm:styleLbl name="solidBgAcc1">
+    <dgm:scene3d>
+      <a:camera prst="orthographicFront"/>
+      <a:lightRig rig="threePt" dir="t"/>
+    </dgm:scene3d>
+    <dgm:sp3d/>
+    <dgm:txPr/>
+    <dgm:style>
+      <a:lnRef idx="2">
+        <a:scrgbClr r="0" g="0" b="0"/>
+      </a:lnRef>
+      <a:fillRef idx="1">
+        <a:scrgbClr r="0" g="0" b="0"/>
+      </a:fillRef>
+      <a:effectRef idx="0">
+        <a:scrgbClr r="0" g="0" b="0"/>
+      </a:effectRef>
+      <a:fontRef idx="minor"/>
+    </dgm:style>
+  </dgm:styleLbl>
+  <dgm:styleLbl name="fgAccFollowNode1">
+    <dgm:scene3d>
+      <a:camera prst="orthographicFront"/>
+      <a:lightRig rig="threePt" dir="t"/>
+    </dgm:scene3d>
+    <dgm:sp3d/>
+    <dgm:txPr/>
+    <dgm:style>
+      <a:lnRef idx="2">
+        <a:scrgbClr r="0" g="0" b="0"/>
+      </a:lnRef>
+      <a:fillRef idx="1">
+        <a:scrgbClr r="0" g="0" b="0"/>
+      </a:fillRef>
+      <a:effectRef idx="0">
+        <a:scrgbClr r="0" g="0" b="0"/>
+      </a:effectRef>
+      <a:fontRef idx="minor"/>
+    </dgm:style>
+  </dgm:styleLbl>
+  <dgm:styleLbl name="alignAccFollowNode1">
+    <dgm:scene3d>
+      <a:camera prst="orthographicFront"/>
+      <a:lightRig rig="threePt" dir="t"/>
+    </dgm:scene3d>
+    <dgm:sp3d/>
+    <dgm:txPr/>
+    <dgm:style>
+      <a:lnRef idx="2">
+        <a:scrgbClr r="0" g="0" b="0"/>
+      </a:lnRef>
+      <a:fillRef idx="1">
+        <a:scrgbClr r="0" g="0" b="0"/>
+      </a:fillRef>
+      <a:effectRef idx="0">
+        <a:scrgbClr r="0" g="0" b="0"/>
+      </a:effectRef>
+      <a:fontRef idx="minor"/>
+    </dgm:style>
+  </dgm:styleLbl>
+  <dgm:styleLbl name="bgAccFollowNode1">
+    <dgm:scene3d>
+      <a:camera prst="orthographicFront"/>
+      <a:lightRig rig="threePt" dir="t"/>
+    </dgm:scene3d>
+    <dgm:sp3d/>
+    <dgm:txPr/>
+    <dgm:style>
+      <a:lnRef idx="2">
+        <a:scrgbClr r="0" g="0" b="0"/>
+      </a:lnRef>
+      <a:fillRef idx="1">
+        <a:scrgbClr r="0" g="0" b="0"/>
+      </a:fillRef>
+      <a:effectRef idx="0">
+        <a:scrgbClr r="0" g="0" b="0"/>
+      </a:effectRef>
+      <a:fontRef idx="minor"/>
+    </dgm:style>
+  </dgm:styleLbl>
+  <dgm:styleLbl name="fgAcc0">
+    <dgm:scene3d>
+      <a:camera prst="orthographicFront"/>
+      <a:lightRig rig="threePt" dir="t"/>
+    </dgm:scene3d>
+    <dgm:sp3d/>
+    <dgm:txPr/>
+    <dgm:style>
+      <a:lnRef idx="2">
+        <a:scrgbClr r="0" g="0" b="0"/>
+      </a:lnRef>
+      <a:fillRef idx="1">
+        <a:scrgbClr r="0" g="0" b="0"/>
+      </a:fillRef>
+      <a:effectRef idx="0">
+        <a:scrgbClr r="0" g="0" b="0"/>
+      </a:effectRef>
+      <a:fontRef idx="minor"/>
+    </dgm:style>
+  </dgm:styleLbl>
+  <dgm:styleLbl name="fgAcc2">
+    <dgm:scene3d>
+      <a:camera prst="orthographicFront"/>
+      <a:lightRig rig="threePt" dir="t"/>
+    </dgm:scene3d>
+    <dgm:sp3d/>
+    <dgm:txPr/>
+    <dgm:style>
+      <a:lnRef idx="2">
+        <a:scrgbClr r="0" g="0" b="0"/>
+      </a:lnRef>
+      <a:fillRef idx="1">
+        <a:scrgbClr r="0" g="0" b="0"/>
+      </a:fillRef>
+      <a:effectRef idx="0">
+        <a:scrgbClr r="0" g="0" b="0"/>
+      </a:effectRef>
+      <a:fontRef idx="minor"/>
+    </dgm:style>
+  </dgm:styleLbl>
+  <dgm:styleLbl name="fgAcc3">
+    <dgm:scene3d>
+      <a:camera prst="orthographicFront"/>
+      <a:lightRig rig="threePt" dir="t"/>
+    </dgm:scene3d>
+    <dgm:sp3d/>
+    <dgm:txPr/>
+    <dgm:style>
+      <a:lnRef idx="2">
+        <a:scrgbClr r="0" g="0" b="0"/>
+      </a:lnRef>
+      <a:fillRef idx="1">
+        <a:scrgbClr r="0" g="0" b="0"/>
+      </a:fillRef>
+      <a:effectRef idx="0">
+        <a:scrgbClr r="0" g="0" b="0"/>
+      </a:effectRef>
+      <a:fontRef idx="minor"/>
+    </dgm:style>
+  </dgm:styleLbl>
+  <dgm:styleLbl name="fgAcc4">
+    <dgm:scene3d>
+      <a:camera prst="orthographicFront"/>
+      <a:lightRig rig="threePt" dir="t"/>
+    </dgm:scene3d>
+    <dgm:sp3d/>
+    <dgm:txPr/>
+    <dgm:style>
+      <a:lnRef idx="2">
+        <a:scrgbClr r="0" g="0" b="0"/>
+      </a:lnRef>
+      <a:fillRef idx="1">
+        <a:scrgbClr r="0" g="0" b="0"/>
+      </a:fillRef>
+      <a:effectRef idx="0">
+        <a:scrgbClr r="0" g="0" b="0"/>
+      </a:effectRef>
+      <a:fontRef idx="minor"/>
+    </dgm:style>
+  </dgm:styleLbl>
+  <dgm:styleLbl name="bgShp">
+    <dgm:scene3d>
+      <a:camera prst="orthographicFront"/>
+      <a:lightRig rig="threePt" dir="t"/>
+    </dgm:scene3d>
+    <dgm:sp3d/>
+    <dgm:txPr/>
+    <dgm:style>
+      <a:lnRef idx="0">
+        <a:scrgbClr r="0" g="0" b="0"/>
+      </a:lnRef>
+      <a:fillRef idx="1">
+        <a:scrgbClr r="0" g="0" b="0"/>
+      </a:fillRef>
+      <a:effectRef idx="0">
+        <a:scrgbClr r="0" g="0" b="0"/>
+      </a:effectRef>
+      <a:fontRef idx="minor"/>
+    </dgm:style>
+  </dgm:styleLbl>
+  <dgm:styleLbl name="dkBgShp">
+    <dgm:scene3d>
+      <a:camera prst="orthographicFront"/>
+      <a:lightRig rig="threePt" dir="t"/>
+    </dgm:scene3d>
+    <dgm:sp3d/>
+    <dgm:txPr/>
+    <dgm:style>
+      <a:lnRef idx="0">
+        <a:scrgbClr r="0" g="0" b="0"/>
+      </a:lnRef>
+      <a:fillRef idx="1">
+        <a:scrgbClr r="0" g="0" b="0"/>
+      </a:fillRef>
+      <a:effectRef idx="0">
+        <a:scrgbClr r="0" g="0" b="0"/>
+      </a:effectRef>
+      <a:fontRef idx="minor"/>
+    </dgm:style>
+  </dgm:styleLbl>
+  <dgm:styleLbl name="trBgShp">
+    <dgm:scene3d>
+      <a:camera prst="orthographicFront"/>
+      <a:lightRig rig="threePt" dir="t"/>
+    </dgm:scene3d>
+    <dgm:sp3d/>
+    <dgm:txPr/>
+    <dgm:style>
+      <a:lnRef idx="0">
+        <a:scrgbClr r="0" g="0" b="0"/>
+      </a:lnRef>
+      <a:fillRef idx="1">
+        <a:scrgbClr r="0" g="0" b="0"/>
+      </a:fillRef>
+      <a:effectRef idx="0">
+        <a:scrgbClr r="0" g="0" b="0"/>
+      </a:effectRef>
+      <a:fontRef idx="minor"/>
+    </dgm:style>
+  </dgm:styleLbl>
+  <dgm:styleLbl name="fgShp">
+    <dgm:scene3d>
+      <a:camera prst="orthographicFront"/>
+      <a:lightRig rig="threePt" dir="t"/>
+    </dgm:scene3d>
+    <dgm:sp3d/>
+    <dgm:txPr/>
+    <dgm:style>
+      <a:lnRef idx="2">
+        <a:scrgbClr r="0" g="0" b="0"/>
+      </a:lnRef>
+      <a:fillRef idx="1">
+        <a:scrgbClr r="0" g="0" b="0"/>
+      </a:fillRef>
+      <a:effectRef idx="0">
+        <a:scrgbClr r="0" g="0" b="0"/>
+      </a:effectRef>
+      <a:fontRef idx="minor"/>
+    </dgm:style>
+  </dgm:styleLbl>
+  <dgm:styleLbl name="revTx">
+    <dgm:scene3d>
+      <a:camera prst="orthographicFront"/>
+      <a:lightRig rig="threePt" dir="t"/>
+    </dgm:scene3d>
+    <dgm:sp3d/>
+    <dgm:txPr/>
+    <dgm:style>
+      <a:lnRef idx="0">
+        <a:scrgbClr r="0" g="0" b="0"/>
+      </a:lnRef>
+      <a:fillRef idx="0">
+        <a:scrgbClr r="0" g="0" b="0"/>
+      </a:fillRef>
+      <a:effectRef idx="0">
+        <a:scrgbClr r="0" g="0" b="0"/>
+      </a:effectRef>
+      <a:fontRef idx="minor"/>
+    </dgm:style>
+  </dgm:styleLbl>
+</dgm:styleDef>
+</file>
+
 <file path=ppt/slideLayouts/slideLayout1.xml><?xml version="1.0" encoding="utf-8"?>
 <p:sldLayout xmlns:a="http://schemas.openxmlformats.org/drawingml/2006/main" xmlns:r="http://schemas.openxmlformats.org/officeDocument/2006/relationships" xmlns:p="http://schemas.openxmlformats.org/presentationml/2006/main" showMasterSp="0" type="title" preserve="1">
   <p:cSld name="Title Slide">
@@ -455,7 +3700,7 @@
           <a:p>
             <a:fld id="{DA16FB44-BD91-4C21-923B-3B19DFD4A4FB}" type="datetimeFigureOut">
               <a:rPr lang="en-US" smtClean="0"/>
-              <a:t>12/12/2024</a:t>
+              <a:t>12/14/2024</a:t>
             </a:fld>
             <a:endParaRPr lang="en-US"/>
           </a:p>
@@ -1543,7 +4788,7 @@
           <a:p>
             <a:fld id="{DA16FB44-BD91-4C21-923B-3B19DFD4A4FB}" type="datetimeFigureOut">
               <a:rPr lang="en-US" smtClean="0"/>
-              <a:t>12/12/2024</a:t>
+              <a:t>12/14/2024</a:t>
             </a:fld>
             <a:endParaRPr lang="en-US"/>
           </a:p>
@@ -2523,7 +5768,7 @@
           <a:p>
             <a:fld id="{DA16FB44-BD91-4C21-923B-3B19DFD4A4FB}" type="datetimeFigureOut">
               <a:rPr lang="en-US" smtClean="0"/>
-              <a:t>12/12/2024</a:t>
+              <a:t>12/14/2024</a:t>
             </a:fld>
             <a:endParaRPr lang="en-US"/>
           </a:p>
@@ -3657,7 +6902,7 @@
           <a:p>
             <a:fld id="{DA16FB44-BD91-4C21-923B-3B19DFD4A4FB}" type="datetimeFigureOut">
               <a:rPr lang="en-US" smtClean="0"/>
-              <a:t>12/12/2024</a:t>
+              <a:t>12/14/2024</a:t>
             </a:fld>
             <a:endParaRPr lang="en-US"/>
           </a:p>
@@ -4690,7 +7935,7 @@
           <a:p>
             <a:fld id="{DA16FB44-BD91-4C21-923B-3B19DFD4A4FB}" type="datetimeFigureOut">
               <a:rPr lang="en-US" smtClean="0"/>
-              <a:t>12/12/2024</a:t>
+              <a:t>12/14/2024</a:t>
             </a:fld>
             <a:endParaRPr lang="en-US"/>
           </a:p>
@@ -5350,7 +8595,7 @@
           <a:p>
             <a:fld id="{DA16FB44-BD91-4C21-923B-3B19DFD4A4FB}" type="datetimeFigureOut">
               <a:rPr lang="en-US" smtClean="0"/>
-              <a:t>12/12/2024</a:t>
+              <a:t>12/14/2024</a:t>
             </a:fld>
             <a:endParaRPr lang="en-US"/>
           </a:p>
@@ -6211,7 +9456,7 @@
           <a:p>
             <a:fld id="{DA16FB44-BD91-4C21-923B-3B19DFD4A4FB}" type="datetimeFigureOut">
               <a:rPr lang="en-US" smtClean="0"/>
-              <a:t>12/12/2024</a:t>
+              <a:t>12/14/2024</a:t>
             </a:fld>
             <a:endParaRPr lang="en-US"/>
           </a:p>
@@ -6401,7 +9646,7 @@
           <a:p>
             <a:fld id="{DA16FB44-BD91-4C21-923B-3B19DFD4A4FB}" type="datetimeFigureOut">
               <a:rPr lang="en-US" smtClean="0"/>
-              <a:t>12/12/2024</a:t>
+              <a:t>12/14/2024</a:t>
             </a:fld>
             <a:endParaRPr lang="en-US"/>
           </a:p>
@@ -7373,7 +10618,7 @@
           <a:p>
             <a:fld id="{DA16FB44-BD91-4C21-923B-3B19DFD4A4FB}" type="datetimeFigureOut">
               <a:rPr lang="en-US" smtClean="0"/>
-              <a:t>12/12/2024</a:t>
+              <a:t>12/14/2024</a:t>
             </a:fld>
             <a:endParaRPr lang="en-US"/>
           </a:p>
@@ -7584,7 +10829,7 @@
           <a:p>
             <a:fld id="{DA16FB44-BD91-4C21-923B-3B19DFD4A4FB}" type="datetimeFigureOut">
               <a:rPr lang="en-US" smtClean="0"/>
-              <a:t>12/12/2024</a:t>
+              <a:t>12/14/2024</a:t>
             </a:fld>
             <a:endParaRPr lang="en-US"/>
           </a:p>
@@ -8618,7 +11863,7 @@
           <a:p>
             <a:fld id="{DA16FB44-BD91-4C21-923B-3B19DFD4A4FB}" type="datetimeFigureOut">
               <a:rPr lang="en-US" smtClean="0"/>
-              <a:t>12/12/2024</a:t>
+              <a:t>12/14/2024</a:t>
             </a:fld>
             <a:endParaRPr lang="en-US"/>
           </a:p>
@@ -8890,7 +12135,7 @@
           <a:p>
             <a:fld id="{DA16FB44-BD91-4C21-923B-3B19DFD4A4FB}" type="datetimeFigureOut">
               <a:rPr lang="en-US" smtClean="0"/>
-              <a:t>12/12/2024</a:t>
+              <a:t>12/14/2024</a:t>
             </a:fld>
             <a:endParaRPr lang="en-US"/>
           </a:p>
@@ -9300,7 +12545,7 @@
           <a:p>
             <a:fld id="{DA16FB44-BD91-4C21-923B-3B19DFD4A4FB}" type="datetimeFigureOut">
               <a:rPr lang="en-US" smtClean="0"/>
-              <a:t>12/12/2024</a:t>
+              <a:t>12/14/2024</a:t>
             </a:fld>
             <a:endParaRPr lang="en-US"/>
           </a:p>
@@ -9427,7 +12672,7 @@
           <a:p>
             <a:fld id="{DA16FB44-BD91-4C21-923B-3B19DFD4A4FB}" type="datetimeFigureOut">
               <a:rPr lang="en-US" smtClean="0"/>
-              <a:t>12/12/2024</a:t>
+              <a:t>12/14/2024</a:t>
             </a:fld>
             <a:endParaRPr lang="en-US"/>
           </a:p>
@@ -9522,7 +12767,7 @@
           <a:p>
             <a:fld id="{DA16FB44-BD91-4C21-923B-3B19DFD4A4FB}" type="datetimeFigureOut">
               <a:rPr lang="en-US" smtClean="0"/>
-              <a:t>12/12/2024</a:t>
+              <a:t>12/14/2024</a:t>
             </a:fld>
             <a:endParaRPr lang="en-US"/>
           </a:p>
@@ -10603,7 +13848,7 @@
           <a:p>
             <a:fld id="{DA16FB44-BD91-4C21-923B-3B19DFD4A4FB}" type="datetimeFigureOut">
               <a:rPr lang="en-US" smtClean="0"/>
-              <a:t>12/12/2024</a:t>
+              <a:t>12/14/2024</a:t>
             </a:fld>
             <a:endParaRPr lang="en-US"/>
           </a:p>
@@ -11711,7 +14956,7 @@
           <a:p>
             <a:fld id="{DA16FB44-BD91-4C21-923B-3B19DFD4A4FB}" type="datetimeFigureOut">
               <a:rPr lang="en-US" smtClean="0"/>
-              <a:t>12/12/2024</a:t>
+              <a:t>12/14/2024</a:t>
             </a:fld>
             <a:endParaRPr lang="en-US"/>
           </a:p>
@@ -12708,7 +15953,7 @@
           <a:p>
             <a:fld id="{DA16FB44-BD91-4C21-923B-3B19DFD4A4FB}" type="datetimeFigureOut">
               <a:rPr lang="en-US" smtClean="0"/>
-              <a:t>12/12/2024</a:t>
+              <a:t>12/14/2024</a:t>
             </a:fld>
             <a:endParaRPr lang="en-US"/>
           </a:p>
@@ -13338,6 +16583,92 @@
 </p:sld>
 </file>
 
+<file path=ppt/slides/slide10.xml><?xml version="1.0" encoding="utf-8"?>
+<p:sld xmlns:a="http://schemas.openxmlformats.org/drawingml/2006/main" xmlns:r="http://schemas.openxmlformats.org/officeDocument/2006/relationships" xmlns:p="http://schemas.openxmlformats.org/presentationml/2006/main">
+  <p:cSld>
+    <p:spTree>
+      <p:nvGrpSpPr>
+        <p:cNvPr id="1" name=""/>
+        <p:cNvGrpSpPr/>
+        <p:nvPr/>
+      </p:nvGrpSpPr>
+      <p:grpSpPr>
+        <a:xfrm>
+          <a:off x="0" y="0"/>
+          <a:ext cx="0" cy="0"/>
+          <a:chOff x="0" y="0"/>
+          <a:chExt cx="0" cy="0"/>
+        </a:xfrm>
+      </p:grpSpPr>
+      <p:sp>
+        <p:nvSpPr>
+          <p:cNvPr id="2" name="Title 1">
+            <a:extLst>
+              <a:ext uri="{FF2B5EF4-FFF2-40B4-BE49-F238E27FC236}">
+                <a16:creationId xmlns:a16="http://schemas.microsoft.com/office/drawing/2014/main" id="{187AB65D-1764-5DC9-8F4A-67AD2B8DA2F5}"/>
+              </a:ext>
+            </a:extLst>
+          </p:cNvPr>
+          <p:cNvSpPr>
+            <a:spLocks noGrp="1"/>
+          </p:cNvSpPr>
+          <p:nvPr>
+            <p:ph type="title"/>
+          </p:nvPr>
+        </p:nvSpPr>
+        <p:spPr/>
+        <p:txBody>
+          <a:bodyPr/>
+          <a:lstStyle/>
+          <a:p>
+            <a:r>
+              <a:rPr lang="en-US" dirty="0"/>
+              <a:t>Conclusion</a:t>
+            </a:r>
+          </a:p>
+        </p:txBody>
+      </p:sp>
+      <p:sp>
+        <p:nvSpPr>
+          <p:cNvPr id="3" name="Content Placeholder 2">
+            <a:extLst>
+              <a:ext uri="{FF2B5EF4-FFF2-40B4-BE49-F238E27FC236}">
+                <a16:creationId xmlns:a16="http://schemas.microsoft.com/office/drawing/2014/main" id="{33E722A8-75CF-7F54-366B-1BAD8B4F4D09}"/>
+              </a:ext>
+            </a:extLst>
+          </p:cNvPr>
+          <p:cNvSpPr>
+            <a:spLocks noGrp="1"/>
+          </p:cNvSpPr>
+          <p:nvPr>
+            <p:ph idx="1"/>
+          </p:nvPr>
+        </p:nvSpPr>
+        <p:spPr/>
+        <p:txBody>
+          <a:bodyPr/>
+          <a:lstStyle/>
+          <a:p>
+            <a:r>
+              <a:rPr lang="en-US" dirty="0"/>
+              <a:t>This system design will help Bacchus Winery improve its operations in key areas such as supplier delivery management, wine distribution tracking, and employee time management. The proposed reports provide visibility and actionable insights that will help the winery make informed decisions, optimize processes, and improve overall business efficiency.</a:t>
+            </a:r>
+          </a:p>
+        </p:txBody>
+      </p:sp>
+    </p:spTree>
+    <p:extLst>
+      <p:ext uri="{BB962C8B-B14F-4D97-AF65-F5344CB8AC3E}">
+        <p14:creationId xmlns:p14="http://schemas.microsoft.com/office/powerpoint/2010/main" val="2360875670"/>
+      </p:ext>
+    </p:extLst>
+  </p:cSld>
+  <p:clrMapOvr>
+    <a:masterClrMapping/>
+  </p:clrMapOvr>
+</p:sld>
+</file>
+
 <file path=ppt/slides/slide2.xml><?xml version="1.0" encoding="utf-8"?>
 <p:sld xmlns:a="http://schemas.openxmlformats.org/drawingml/2006/main" xmlns:r="http://schemas.openxmlformats.org/officeDocument/2006/relationships" xmlns:p="http://schemas.openxmlformats.org/presentationml/2006/main">
   <p:cSld>
@@ -13585,6 +16916,14 @@
 <file path=ppt/slides/slide4.xml><?xml version="1.0" encoding="utf-8"?>
 <p:sld xmlns:a="http://schemas.openxmlformats.org/drawingml/2006/main" xmlns:r="http://schemas.openxmlformats.org/officeDocument/2006/relationships" xmlns:p="http://schemas.openxmlformats.org/presentationml/2006/main">
   <p:cSld>
+    <p:bg>
+      <p:bgPr>
+        <a:solidFill>
+          <a:schemeClr val="bg1"/>
+        </a:solidFill>
+        <a:effectLst/>
+      </p:bgPr>
+    </p:bg>
     <p:spTree>
       <p:nvGrpSpPr>
         <p:cNvPr id="1" name=""/>
@@ -13599,6 +16938,261 @@
           <a:chExt cx="0" cy="0"/>
         </a:xfrm>
       </p:grpSpPr>
+      <p:grpSp>
+        <p:nvGrpSpPr>
+          <p:cNvPr id="32" name="Group 31">
+            <a:extLst>
+              <a:ext uri="{FF2B5EF4-FFF2-40B4-BE49-F238E27FC236}">
+                <a16:creationId xmlns:a16="http://schemas.microsoft.com/office/drawing/2014/main" id="{4091D54B-59AB-4A5E-8E9E-0421BD66D4FB}"/>
+              </a:ext>
+              <a:ext uri="{C183D7F6-B498-43B3-948B-1728B52AA6E4}">
+                <adec:decorative xmlns:adec="http://schemas.microsoft.com/office/drawing/2017/decorative" val="1"/>
+              </a:ext>
+            </a:extLst>
+          </p:cNvPr>
+          <p:cNvGrpSpPr>
+            <a:grpSpLocks noGrp="1" noUngrp="1" noRot="1" noChangeAspect="1" noMove="1" noResize="1"/>
+          </p:cNvGrpSpPr>
+          <p:nvPr>
+            <p:extLst>
+              <p:ext uri="{386F3935-93C4-4BCD-93E2-E3B085C9AB24}">
+                <p16:designElem xmlns:p16="http://schemas.microsoft.com/office/powerpoint/2015/main" val="1"/>
+              </p:ext>
+            </p:extLst>
+          </p:nvPr>
+        </p:nvGrpSpPr>
+        <p:grpSpPr>
+          <a:xfrm>
+            <a:off x="0" y="0"/>
+            <a:ext cx="12192000" cy="6858000"/>
+            <a:chOff x="0" y="0"/>
+            <a:chExt cx="12192000" cy="6858000"/>
+          </a:xfrm>
+        </p:grpSpPr>
+        <p:sp>
+          <p:nvSpPr>
+            <p:cNvPr id="33" name="Rectangle 32">
+              <a:extLst>
+                <a:ext uri="{FF2B5EF4-FFF2-40B4-BE49-F238E27FC236}">
+                  <a16:creationId xmlns:a16="http://schemas.microsoft.com/office/drawing/2014/main" id="{547CE62E-FFFD-4A1F-BA78-C3B89C36FCA5}"/>
+                </a:ext>
+                <a:ext uri="{C183D7F6-B498-43B3-948B-1728B52AA6E4}">
+                  <adec:decorative xmlns:adec="http://schemas.microsoft.com/office/drawing/2017/decorative" val="1"/>
+                </a:ext>
+              </a:extLst>
+            </p:cNvPr>
+            <p:cNvSpPr/>
+            <p:nvPr>
+              <p:extLst>
+                <p:ext uri="{386F3935-93C4-4BCD-93E2-E3B085C9AB24}">
+                  <p16:designElem xmlns:p16="http://schemas.microsoft.com/office/powerpoint/2015/main" val="1"/>
+                </p:ext>
+              </p:extLst>
+            </p:nvPr>
+          </p:nvSpPr>
+          <p:spPr>
+            <a:xfrm>
+              <a:off x="0" y="0"/>
+              <a:ext cx="12192000" cy="6858000"/>
+            </a:xfrm>
+            <a:prstGeom prst="rect">
+              <a:avLst/>
+            </a:prstGeom>
+            <a:blipFill>
+              <a:blip r:embed="rId2">
+                <a:duotone>
+                  <a:schemeClr val="dk2">
+                    <a:shade val="69000"/>
+                    <a:hueMod val="91000"/>
+                    <a:satMod val="164000"/>
+                    <a:lumMod val="74000"/>
+                  </a:schemeClr>
+                  <a:schemeClr val="dk2">
+                    <a:hueMod val="124000"/>
+                    <a:satMod val="140000"/>
+                    <a:lumMod val="142000"/>
+                  </a:schemeClr>
+                </a:duotone>
+              </a:blip>
+              <a:stretch>
+                <a:fillRect/>
+              </a:stretch>
+            </a:blipFill>
+            <a:ln>
+              <a:noFill/>
+            </a:ln>
+          </p:spPr>
+          <p:style>
+            <a:lnRef idx="2">
+              <a:schemeClr val="accent1">
+                <a:shade val="50000"/>
+              </a:schemeClr>
+            </a:lnRef>
+            <a:fillRef idx="1">
+              <a:schemeClr val="accent1"/>
+            </a:fillRef>
+            <a:effectRef idx="0">
+              <a:schemeClr val="accent1"/>
+            </a:effectRef>
+            <a:fontRef idx="minor">
+              <a:schemeClr val="lt1"/>
+            </a:fontRef>
+          </p:style>
+          <p:txBody>
+            <a:bodyPr/>
+            <a:lstStyle/>
+            <a:p>
+              <a:endParaRPr lang="en-US"/>
+            </a:p>
+          </p:txBody>
+        </p:sp>
+        <p:sp>
+          <p:nvSpPr>
+            <p:cNvPr id="34" name="Freeform 5">
+              <a:extLst>
+                <a:ext uri="{FF2B5EF4-FFF2-40B4-BE49-F238E27FC236}">
+                  <a16:creationId xmlns:a16="http://schemas.microsoft.com/office/drawing/2014/main" id="{AE51FD27-6B6A-4D21-BF22-245DA9BD0B3E}"/>
+                </a:ext>
+                <a:ext uri="{C183D7F6-B498-43B3-948B-1728B52AA6E4}">
+                  <adec:decorative xmlns:adec="http://schemas.microsoft.com/office/drawing/2017/decorative" val="1"/>
+                </a:ext>
+              </a:extLst>
+            </p:cNvPr>
+            <p:cNvSpPr>
+              <a:spLocks noEditPoints="1"/>
+            </p:cNvSpPr>
+            <p:nvPr>
+              <p:extLst>
+                <p:ext uri="{386F3935-93C4-4BCD-93E2-E3B085C9AB24}">
+                  <p16:designElem xmlns:p16="http://schemas.microsoft.com/office/powerpoint/2015/main" val="1"/>
+                </p:ext>
+              </p:extLst>
+            </p:nvPr>
+          </p:nvSpPr>
+          <p:spPr bwMode="gray">
+            <a:xfrm>
+              <a:off x="0" y="1587"/>
+              <a:ext cx="12192000" cy="6856413"/>
+            </a:xfrm>
+            <a:custGeom>
+              <a:avLst/>
+              <a:gdLst/>
+              <a:ahLst/>
+              <a:cxnLst/>
+              <a:rect l="0" t="0" r="r" b="b"/>
+              <a:pathLst>
+                <a:path w="15356" h="8638">
+                  <a:moveTo>
+                    <a:pt x="0" y="0"/>
+                  </a:moveTo>
+                  <a:lnTo>
+                    <a:pt x="0" y="8638"/>
+                  </a:lnTo>
+                  <a:lnTo>
+                    <a:pt x="15356" y="8638"/>
+                  </a:lnTo>
+                  <a:lnTo>
+                    <a:pt x="15356" y="0"/>
+                  </a:lnTo>
+                  <a:lnTo>
+                    <a:pt x="0" y="0"/>
+                  </a:lnTo>
+                  <a:close/>
+                  <a:moveTo>
+                    <a:pt x="14748" y="8038"/>
+                  </a:moveTo>
+                  <a:lnTo>
+                    <a:pt x="600" y="8038"/>
+                  </a:lnTo>
+                  <a:lnTo>
+                    <a:pt x="600" y="592"/>
+                  </a:lnTo>
+                  <a:lnTo>
+                    <a:pt x="14748" y="592"/>
+                  </a:lnTo>
+                  <a:lnTo>
+                    <a:pt x="14748" y="8038"/>
+                  </a:lnTo>
+                  <a:close/>
+                </a:path>
+              </a:pathLst>
+            </a:custGeom>
+            <a:solidFill>
+              <a:schemeClr val="bg1"/>
+            </a:solidFill>
+            <a:ln>
+              <a:noFill/>
+            </a:ln>
+          </p:spPr>
+          <p:txBody>
+            <a:bodyPr/>
+            <a:lstStyle/>
+            <a:p>
+              <a:endParaRPr lang="en-US"/>
+            </a:p>
+          </p:txBody>
+        </p:sp>
+      </p:grpSp>
+      <p:sp>
+        <p:nvSpPr>
+          <p:cNvPr id="36" name="Rectangle 35">
+            <a:extLst>
+              <a:ext uri="{FF2B5EF4-FFF2-40B4-BE49-F238E27FC236}">
+                <a16:creationId xmlns:a16="http://schemas.microsoft.com/office/drawing/2014/main" id="{B8144315-1C5A-4185-A952-25D98D303D46}"/>
+              </a:ext>
+              <a:ext uri="{C183D7F6-B498-43B3-948B-1728B52AA6E4}">
+                <adec:decorative xmlns:adec="http://schemas.microsoft.com/office/drawing/2017/decorative" val="1"/>
+              </a:ext>
+            </a:extLst>
+          </p:cNvPr>
+          <p:cNvSpPr>
+            <a:spLocks noGrp="1" noRot="1" noChangeAspect="1" noMove="1" noResize="1" noEditPoints="1" noAdjustHandles="1" noChangeArrowheads="1" noChangeShapeType="1" noTextEdit="1"/>
+          </p:cNvSpPr>
+          <p:nvPr>
+            <p:extLst>
+              <p:ext uri="{386F3935-93C4-4BCD-93E2-E3B085C9AB24}">
+                <p16:designElem xmlns:p16="http://schemas.microsoft.com/office/powerpoint/2015/main" val="1"/>
+              </p:ext>
+            </p:extLst>
+          </p:nvPr>
+        </p:nvSpPr>
+        <p:spPr>
+          <a:xfrm>
+            <a:off x="10437812" y="0"/>
+            <a:ext cx="685800" cy="1143000"/>
+          </a:xfrm>
+          <a:prstGeom prst="rect">
+            <a:avLst/>
+          </a:prstGeom>
+          <a:solidFill>
+            <a:schemeClr val="accent1"/>
+          </a:solidFill>
+          <a:ln>
+            <a:noFill/>
+          </a:ln>
+        </p:spPr>
+        <p:style>
+          <a:lnRef idx="1">
+            <a:schemeClr val="accent1"/>
+          </a:lnRef>
+          <a:fillRef idx="3">
+            <a:schemeClr val="accent1"/>
+          </a:fillRef>
+          <a:effectRef idx="2">
+            <a:schemeClr val="accent1"/>
+          </a:effectRef>
+          <a:fontRef idx="minor">
+            <a:schemeClr val="lt1"/>
+          </a:fontRef>
+        </p:style>
+        <p:txBody>
+          <a:bodyPr/>
+          <a:lstStyle/>
+          <a:p>
+            <a:endParaRPr lang="en-US"/>
+          </a:p>
+        </p:txBody>
+      </p:sp>
       <p:sp>
         <p:nvSpPr>
           <p:cNvPr id="2" name="Title 1">
@@ -13615,43 +17209,529 @@
             <p:ph type="title"/>
           </p:nvPr>
         </p:nvSpPr>
-        <p:spPr/>
+        <p:spPr>
+          <a:xfrm>
+            <a:off x="8382055" y="1241266"/>
+            <a:ext cx="3161016" cy="3153753"/>
+          </a:xfrm>
+        </p:spPr>
         <p:txBody>
-          <a:bodyPr/>
+          <a:bodyPr vert="horz" lIns="91440" tIns="45720" rIns="91440" bIns="45720" rtlCol="0" anchor="b">
+            <a:normAutofit/>
+          </a:bodyPr>
           <a:lstStyle/>
           <a:p>
             <a:r>
-              <a:rPr lang="en-US" dirty="0"/>
+              <a:rPr lang="en-US" sz="5400" b="0" i="0" kern="1200">
+                <a:solidFill>
+                  <a:srgbClr val="EBEBEB"/>
+                </a:solidFill>
+                <a:latin typeface="+mj-lt"/>
+                <a:ea typeface="+mj-ea"/>
+                <a:cs typeface="+mj-cs"/>
+              </a:rPr>
               <a:t>ERD</a:t>
             </a:r>
           </a:p>
         </p:txBody>
       </p:sp>
-      <p:sp>
-        <p:nvSpPr>
-          <p:cNvPr id="3" name="Content Placeholder 2">
+      <p:grpSp>
+        <p:nvGrpSpPr>
+          <p:cNvPr id="38" name="Group 37">
             <a:extLst>
               <a:ext uri="{FF2B5EF4-FFF2-40B4-BE49-F238E27FC236}">
-                <a16:creationId xmlns:a16="http://schemas.microsoft.com/office/drawing/2014/main" id="{24DDB153-19BB-28BE-37C1-1536A6BAAFE8}"/>
+                <a16:creationId xmlns:a16="http://schemas.microsoft.com/office/drawing/2014/main" id="{25A657F0-42F3-40D3-BC75-7DA1F5C6A225}"/>
+              </a:ext>
+              <a:ext uri="{C183D7F6-B498-43B3-948B-1728B52AA6E4}">
+                <adec:decorative xmlns:adec="http://schemas.microsoft.com/office/drawing/2017/decorative" val="1"/>
               </a:ext>
             </a:extLst>
           </p:cNvPr>
-          <p:cNvSpPr>
-            <a:spLocks noGrp="1"/>
-          </p:cNvSpPr>
+          <p:cNvGrpSpPr>
+            <a:grpSpLocks noGrp="1" noUngrp="1" noRot="1" noChangeAspect="1" noMove="1" noResize="1"/>
+          </p:cNvGrpSpPr>
+          <p:nvPr>
+            <p:extLst>
+              <p:ext uri="{386F3935-93C4-4BCD-93E2-E3B085C9AB24}">
+                <p16:designElem xmlns:p16="http://schemas.microsoft.com/office/powerpoint/2015/main" val="1"/>
+              </p:ext>
+            </p:extLst>
+          </p:nvPr>
+        </p:nvGrpSpPr>
+        <p:grpSpPr>
+          <a:xfrm>
+            <a:off x="423332" y="396837"/>
+            <a:ext cx="7906665" cy="6058999"/>
+            <a:chOff x="423332" y="396837"/>
+            <a:chExt cx="7906665" cy="6058999"/>
+          </a:xfrm>
+        </p:grpSpPr>
+        <p:sp>
+          <p:nvSpPr>
+            <p:cNvPr id="39" name="Rectangle 38">
+              <a:extLst>
+                <a:ext uri="{FF2B5EF4-FFF2-40B4-BE49-F238E27FC236}">
+                  <a16:creationId xmlns:a16="http://schemas.microsoft.com/office/drawing/2014/main" id="{2E94FF68-7A60-47B7-AB98-1674FC7F2D14}"/>
+                </a:ext>
+                <a:ext uri="{C183D7F6-B498-43B3-948B-1728B52AA6E4}">
+                  <adec:decorative xmlns:adec="http://schemas.microsoft.com/office/drawing/2017/decorative" val="1"/>
+                </a:ext>
+              </a:extLst>
+            </p:cNvPr>
+            <p:cNvSpPr/>
+            <p:nvPr>
+              <p:extLst>
+                <p:ext uri="{386F3935-93C4-4BCD-93E2-E3B085C9AB24}">
+                  <p16:designElem xmlns:p16="http://schemas.microsoft.com/office/powerpoint/2015/main" val="1"/>
+                </p:ext>
+              </p:extLst>
+            </p:nvPr>
+          </p:nvSpPr>
+          <p:spPr bwMode="gray">
+            <a:xfrm flipH="1">
+              <a:off x="423332" y="402165"/>
+              <a:ext cx="6785133" cy="6053670"/>
+            </a:xfrm>
+            <a:prstGeom prst="rect">
+              <a:avLst/>
+            </a:prstGeom>
+            <a:solidFill>
+              <a:schemeClr val="bg1"/>
+            </a:solidFill>
+            <a:ln>
+              <a:noFill/>
+            </a:ln>
+            <a:effectLst/>
+          </p:spPr>
+          <p:style>
+            <a:lnRef idx="1">
+              <a:schemeClr val="accent1"/>
+            </a:lnRef>
+            <a:fillRef idx="3">
+              <a:schemeClr val="accent1"/>
+            </a:fillRef>
+            <a:effectRef idx="2">
+              <a:schemeClr val="accent1"/>
+            </a:effectRef>
+            <a:fontRef idx="minor">
+              <a:schemeClr val="lt1"/>
+            </a:fontRef>
+          </p:style>
+          <p:txBody>
+            <a:bodyPr/>
+            <a:lstStyle/>
+            <a:p>
+              <a:endParaRPr lang="en-US"/>
+            </a:p>
+          </p:txBody>
+        </p:sp>
+        <p:sp>
+          <p:nvSpPr>
+            <p:cNvPr id="40" name="Freeform 5">
+              <a:extLst>
+                <a:ext uri="{FF2B5EF4-FFF2-40B4-BE49-F238E27FC236}">
+                  <a16:creationId xmlns:a16="http://schemas.microsoft.com/office/drawing/2014/main" id="{42B4F8D7-4E9C-45EF-9072-1AF32CEF7102}"/>
+                </a:ext>
+                <a:ext uri="{C183D7F6-B498-43B3-948B-1728B52AA6E4}">
+                  <adec:decorative xmlns:adec="http://schemas.microsoft.com/office/drawing/2017/decorative" val="1"/>
+                </a:ext>
+              </a:extLst>
+            </p:cNvPr>
+            <p:cNvSpPr/>
+            <p:nvPr>
+              <p:extLst>
+                <p:ext uri="{386F3935-93C4-4BCD-93E2-E3B085C9AB24}">
+                  <p16:designElem xmlns:p16="http://schemas.microsoft.com/office/powerpoint/2015/main" val="1"/>
+                </p:ext>
+              </p:extLst>
+            </p:nvPr>
+          </p:nvSpPr>
+          <p:spPr bwMode="gray">
+            <a:xfrm rot="5400000" flipH="1">
+              <a:off x="4616676" y="2801722"/>
+              <a:ext cx="6053670" cy="1254558"/>
+            </a:xfrm>
+            <a:custGeom>
+              <a:avLst/>
+              <a:gdLst/>
+              <a:ahLst/>
+              <a:cxnLst/>
+              <a:rect l="l" t="t" r="r" b="b"/>
+              <a:pathLst>
+                <a:path w="10000" h="8000">
+                  <a:moveTo>
+                    <a:pt x="0" y="0"/>
+                  </a:moveTo>
+                  <a:lnTo>
+                    <a:pt x="0" y="7970"/>
+                  </a:lnTo>
+                  <a:lnTo>
+                    <a:pt x="10000" y="8000"/>
+                  </a:lnTo>
+                  <a:lnTo>
+                    <a:pt x="10000" y="7"/>
+                  </a:lnTo>
+                  <a:lnTo>
+                    <a:pt x="10000" y="7"/>
+                  </a:lnTo>
+                  <a:lnTo>
+                    <a:pt x="9773" y="156"/>
+                  </a:lnTo>
+                  <a:lnTo>
+                    <a:pt x="9547" y="298"/>
+                  </a:lnTo>
+                  <a:lnTo>
+                    <a:pt x="9320" y="437"/>
+                  </a:lnTo>
+                  <a:lnTo>
+                    <a:pt x="9092" y="556"/>
+                  </a:lnTo>
+                  <a:lnTo>
+                    <a:pt x="8865" y="676"/>
+                  </a:lnTo>
+                  <a:lnTo>
+                    <a:pt x="8637" y="788"/>
+                  </a:lnTo>
+                  <a:lnTo>
+                    <a:pt x="8412" y="884"/>
+                  </a:lnTo>
+                  <a:lnTo>
+                    <a:pt x="8184" y="975"/>
+                  </a:lnTo>
+                  <a:lnTo>
+                    <a:pt x="7957" y="1058"/>
+                  </a:lnTo>
+                  <a:lnTo>
+                    <a:pt x="7734" y="1130"/>
+                  </a:lnTo>
+                  <a:lnTo>
+                    <a:pt x="7508" y="1202"/>
+                  </a:lnTo>
+                  <a:lnTo>
+                    <a:pt x="7285" y="1262"/>
+                  </a:lnTo>
+                  <a:lnTo>
+                    <a:pt x="7062" y="1309"/>
+                  </a:lnTo>
+                  <a:lnTo>
+                    <a:pt x="6840" y="1358"/>
+                  </a:lnTo>
+                  <a:lnTo>
+                    <a:pt x="6620" y="1399"/>
+                  </a:lnTo>
+                  <a:lnTo>
+                    <a:pt x="6402" y="1428"/>
+                  </a:lnTo>
+                  <a:lnTo>
+                    <a:pt x="6184" y="1453"/>
+                  </a:lnTo>
+                  <a:lnTo>
+                    <a:pt x="5968" y="1477"/>
+                  </a:lnTo>
+                  <a:lnTo>
+                    <a:pt x="5755" y="1488"/>
+                  </a:lnTo>
+                  <a:lnTo>
+                    <a:pt x="5542" y="1500"/>
+                  </a:lnTo>
+                  <a:lnTo>
+                    <a:pt x="5332" y="1506"/>
+                  </a:lnTo>
+                  <a:lnTo>
+                    <a:pt x="5124" y="1500"/>
+                  </a:lnTo>
+                  <a:lnTo>
+                    <a:pt x="4918" y="1500"/>
+                  </a:lnTo>
+                  <a:lnTo>
+                    <a:pt x="4714" y="1488"/>
+                  </a:lnTo>
+                  <a:lnTo>
+                    <a:pt x="4514" y="1470"/>
+                  </a:lnTo>
+                  <a:lnTo>
+                    <a:pt x="4316" y="1453"/>
+                  </a:lnTo>
+                  <a:lnTo>
+                    <a:pt x="4122" y="1434"/>
+                  </a:lnTo>
+                  <a:lnTo>
+                    <a:pt x="3929" y="1405"/>
+                  </a:lnTo>
+                  <a:lnTo>
+                    <a:pt x="3739" y="1374"/>
+                  </a:lnTo>
+                  <a:lnTo>
+                    <a:pt x="3553" y="1346"/>
+                  </a:lnTo>
+                  <a:lnTo>
+                    <a:pt x="3190" y="1267"/>
+                  </a:lnTo>
+                  <a:lnTo>
+                    <a:pt x="2842" y="1183"/>
+                  </a:lnTo>
+                  <a:lnTo>
+                    <a:pt x="2508" y="1095"/>
+                  </a:lnTo>
+                  <a:lnTo>
+                    <a:pt x="2192" y="998"/>
+                  </a:lnTo>
+                  <a:lnTo>
+                    <a:pt x="1890" y="897"/>
+                  </a:lnTo>
+                  <a:lnTo>
+                    <a:pt x="1610" y="788"/>
+                  </a:lnTo>
+                  <a:lnTo>
+                    <a:pt x="1347" y="681"/>
+                  </a:lnTo>
+                  <a:lnTo>
+                    <a:pt x="1105" y="574"/>
+                  </a:lnTo>
+                  <a:lnTo>
+                    <a:pt x="883" y="473"/>
+                  </a:lnTo>
+                  <a:lnTo>
+                    <a:pt x="686" y="377"/>
+                  </a:lnTo>
+                  <a:lnTo>
+                    <a:pt x="508" y="286"/>
+                  </a:lnTo>
+                  <a:lnTo>
+                    <a:pt x="358" y="210"/>
+                  </a:lnTo>
+                  <a:lnTo>
+                    <a:pt x="232" y="138"/>
+                  </a:lnTo>
+                  <a:lnTo>
+                    <a:pt x="59" y="35"/>
+                  </a:lnTo>
+                  <a:lnTo>
+                    <a:pt x="0" y="0"/>
+                  </a:lnTo>
+                  <a:lnTo>
+                    <a:pt x="0" y="0"/>
+                  </a:lnTo>
+                  <a:close/>
+                </a:path>
+              </a:pathLst>
+            </a:custGeom>
+            <a:solidFill>
+              <a:schemeClr val="bg1"/>
+            </a:solidFill>
+            <a:ln>
+              <a:noFill/>
+            </a:ln>
+          </p:spPr>
+          <p:txBody>
+            <a:bodyPr/>
+            <a:lstStyle/>
+            <a:p>
+              <a:endParaRPr lang="en-US"/>
+            </a:p>
+          </p:txBody>
+        </p:sp>
+        <p:sp>
+          <p:nvSpPr>
+            <p:cNvPr id="41" name="Freeform 5">
+              <a:extLst>
+                <a:ext uri="{FF2B5EF4-FFF2-40B4-BE49-F238E27FC236}">
+                  <a16:creationId xmlns:a16="http://schemas.microsoft.com/office/drawing/2014/main" id="{3ECBDDDB-593C-40F0-8E80-AA75798EE40C}"/>
+                </a:ext>
+                <a:ext uri="{C183D7F6-B498-43B3-948B-1728B52AA6E4}">
+                  <adec:decorative xmlns:adec="http://schemas.microsoft.com/office/drawing/2017/decorative" val="1"/>
+                </a:ext>
+              </a:extLst>
+            </p:cNvPr>
+            <p:cNvSpPr/>
+            <p:nvPr>
+              <p:extLst>
+                <p:ext uri="{386F3935-93C4-4BCD-93E2-E3B085C9AB24}">
+                  <p16:designElem xmlns:p16="http://schemas.microsoft.com/office/powerpoint/2015/main" val="1"/>
+                </p:ext>
+              </p:extLst>
+            </p:nvPr>
+          </p:nvSpPr>
+          <p:spPr bwMode="gray">
+            <a:xfrm rot="5677511" flipH="1">
+              <a:off x="6459831" y="1826079"/>
+              <a:ext cx="3299407" cy="440924"/>
+            </a:xfrm>
+            <a:custGeom>
+              <a:avLst/>
+              <a:gdLst/>
+              <a:ahLst/>
+              <a:cxnLst/>
+              <a:rect l="l" t="t" r="r" b="b"/>
+              <a:pathLst>
+                <a:path w="10000" h="5291">
+                  <a:moveTo>
+                    <a:pt x="85" y="2532"/>
+                  </a:moveTo>
+                  <a:cubicBezTo>
+                    <a:pt x="1736" y="3911"/>
+                    <a:pt x="7524" y="5298"/>
+                    <a:pt x="9958" y="5291"/>
+                  </a:cubicBezTo>
+                  <a:cubicBezTo>
+                    <a:pt x="9989" y="1958"/>
+                    <a:pt x="9969" y="3333"/>
+                    <a:pt x="10000" y="0"/>
+                  </a:cubicBezTo>
+                  <a:lnTo>
+                    <a:pt x="10000" y="0"/>
+                  </a:lnTo>
+                  <a:lnTo>
+                    <a:pt x="9667" y="204"/>
+                  </a:lnTo>
+                  <a:lnTo>
+                    <a:pt x="9334" y="400"/>
+                  </a:lnTo>
+                  <a:lnTo>
+                    <a:pt x="9001" y="590"/>
+                  </a:lnTo>
+                  <a:lnTo>
+                    <a:pt x="8667" y="753"/>
+                  </a:lnTo>
+                  <a:lnTo>
+                    <a:pt x="8333" y="917"/>
+                  </a:lnTo>
+                  <a:lnTo>
+                    <a:pt x="7999" y="1071"/>
+                  </a:lnTo>
+                  <a:lnTo>
+                    <a:pt x="7669" y="1202"/>
+                  </a:lnTo>
+                  <a:lnTo>
+                    <a:pt x="7333" y="1325"/>
+                  </a:lnTo>
+                  <a:lnTo>
+                    <a:pt x="7000" y="1440"/>
+                  </a:lnTo>
+                  <a:lnTo>
+                    <a:pt x="6673" y="1538"/>
+                  </a:lnTo>
+                  <a:lnTo>
+                    <a:pt x="6340" y="1636"/>
+                  </a:lnTo>
+                  <a:lnTo>
+                    <a:pt x="6013" y="1719"/>
+                  </a:lnTo>
+                  <a:lnTo>
+                    <a:pt x="5686" y="1784"/>
+                  </a:lnTo>
+                  <a:lnTo>
+                    <a:pt x="5359" y="1850"/>
+                  </a:lnTo>
+                  <a:lnTo>
+                    <a:pt x="5036" y="1906"/>
+                  </a:lnTo>
+                  <a:lnTo>
+                    <a:pt x="4717" y="1948"/>
+                  </a:lnTo>
+                  <a:lnTo>
+                    <a:pt x="4396" y="1980"/>
+                  </a:lnTo>
+                  <a:lnTo>
+                    <a:pt x="4079" y="2013"/>
+                  </a:lnTo>
+                  <a:lnTo>
+                    <a:pt x="3766" y="2029"/>
+                  </a:lnTo>
+                  <a:lnTo>
+                    <a:pt x="3454" y="2046"/>
+                  </a:lnTo>
+                  <a:lnTo>
+                    <a:pt x="3145" y="2053"/>
+                  </a:lnTo>
+                  <a:lnTo>
+                    <a:pt x="2839" y="2046"/>
+                  </a:lnTo>
+                  <a:lnTo>
+                    <a:pt x="2537" y="2046"/>
+                  </a:lnTo>
+                  <a:lnTo>
+                    <a:pt x="2238" y="2029"/>
+                  </a:lnTo>
+                  <a:lnTo>
+                    <a:pt x="1943" y="2004"/>
+                  </a:lnTo>
+                  <a:lnTo>
+                    <a:pt x="1653" y="1980"/>
+                  </a:lnTo>
+                  <a:lnTo>
+                    <a:pt x="1368" y="1955"/>
+                  </a:lnTo>
+                  <a:lnTo>
+                    <a:pt x="1085" y="1915"/>
+                  </a:lnTo>
+                  <a:lnTo>
+                    <a:pt x="806" y="1873"/>
+                  </a:lnTo>
+                  <a:lnTo>
+                    <a:pt x="533" y="1833"/>
+                  </a:lnTo>
+                  <a:lnTo>
+                    <a:pt x="0" y="1726"/>
+                  </a:lnTo>
+                  <a:cubicBezTo>
+                    <a:pt x="28" y="1995"/>
+                    <a:pt x="57" y="2263"/>
+                    <a:pt x="85" y="2532"/>
+                  </a:cubicBezTo>
+                  <a:close/>
+                </a:path>
+              </a:pathLst>
+            </a:custGeom>
+            <a:solidFill>
+              <a:schemeClr val="bg1">
+                <a:alpha val="20000"/>
+              </a:schemeClr>
+            </a:solidFill>
+            <a:ln>
+              <a:noFill/>
+            </a:ln>
+          </p:spPr>
+          <p:txBody>
+            <a:bodyPr/>
+            <a:lstStyle/>
+            <a:p>
+              <a:endParaRPr lang="en-US"/>
+            </a:p>
+          </p:txBody>
+        </p:sp>
+      </p:grpSp>
+      <p:pic>
+        <p:nvPicPr>
+          <p:cNvPr id="6" name="Content Placeholder 5">
+            <a:extLst>
+              <a:ext uri="{FF2B5EF4-FFF2-40B4-BE49-F238E27FC236}">
+                <a16:creationId xmlns:a16="http://schemas.microsoft.com/office/drawing/2014/main" id="{8515D6E7-9776-E035-5C51-E9E8C13550EF}"/>
+              </a:ext>
+            </a:extLst>
+          </p:cNvPr>
+          <p:cNvPicPr>
+            <a:picLocks noGrp="1" noChangeAspect="1"/>
+          </p:cNvPicPr>
           <p:nvPr>
             <p:ph idx="1"/>
           </p:nvPr>
-        </p:nvSpPr>
-        <p:spPr/>
-        <p:txBody>
-          <a:bodyPr/>
-          <a:lstStyle/>
-          <a:p>
-            <a:endParaRPr lang="en-US"/>
-          </a:p>
-        </p:txBody>
-      </p:sp>
+        </p:nvPicPr>
+        <p:blipFill>
+          <a:blip r:embed="rId3"/>
+          <a:srcRect t="1270" r="998"/>
+          <a:stretch/>
+        </p:blipFill>
+        <p:spPr>
+          <a:xfrm>
+            <a:off x="1109763" y="1332687"/>
+            <a:ext cx="6443180" cy="4192626"/>
+          </a:xfrm>
+          <a:prstGeom prst="rect">
+            <a:avLst/>
+          </a:prstGeom>
+        </p:spPr>
+      </p:pic>
     </p:spTree>
     <p:extLst>
       <p:ext uri="{BB962C8B-B14F-4D97-AF65-F5344CB8AC3E}">
@@ -14778,35 +18858,45 @@
           </a:bodyPr>
           <a:lstStyle/>
           <a:p>
-            <a:pPr>
+            <a:pPr marL="342900" marR="0" lvl="0" indent="-342900" algn="l" defTabSz="457200" rtl="0" eaLnBrk="1" fontAlgn="auto" latinLnBrk="0" hangingPunct="1">
+              <a:lnSpc>
+                <a:spcPct val="100000"/>
+              </a:lnSpc>
+              <a:spcBef>
+                <a:spcPts val="1000"/>
+              </a:spcBef>
+              <a:spcAft>
+                <a:spcPts val="0"/>
+              </a:spcAft>
+              <a:buClr>
+                <a:srgbClr val="B31166"/>
+              </a:buClr>
+              <a:buSzPct val="80000"/>
               <a:buFont typeface="Wingdings 3" charset="2"/>
               <a:buChar char=""/>
+              <a:tabLst/>
+              <a:defRPr/>
             </a:pPr>
             <a:r>
-              <a:rPr lang="en-US" sz="1600" dirty="0">
+              <a:rPr kumimoji="0" lang="en-US" sz="1600" b="0" i="0" u="none" strike="noStrike" kern="1200" cap="none" spc="0" normalizeH="0" baseline="0" noProof="0" dirty="0">
+                <a:ln>
+                  <a:noFill/>
+                </a:ln>
                 <a:solidFill>
-                  <a:schemeClr val="tx1">
+                  <a:prstClr val="black">
                     <a:lumMod val="75000"/>
                     <a:lumOff val="25000"/>
-                  </a:schemeClr>
+                  </a:prstClr>
                 </a:solidFill>
+                <a:effectLst/>
+                <a:uLnTx/>
+                <a:uFillTx/>
+                <a:latin typeface="Century Gothic" panose="020B0502020202020204"/>
+                <a:ea typeface="+mn-ea"/>
+                <a:cs typeface="+mn-cs"/>
               </a:rPr>
               <a:t>Purpose: To check whether all suppliers are delivering on time, and to identify any delays in supply deliveries.</a:t>
             </a:r>
-          </a:p>
-          <a:p>
-            <a:pPr>
-              <a:buFont typeface="Wingdings 3" charset="2"/>
-              <a:buChar char=""/>
-            </a:pPr>
-            <a:endParaRPr lang="en-US" sz="1600" dirty="0">
-              <a:solidFill>
-                <a:schemeClr val="tx1">
-                  <a:lumMod val="75000"/>
-                  <a:lumOff val="25000"/>
-                </a:schemeClr>
-              </a:solidFill>
-            </a:endParaRPr>
           </a:p>
         </p:txBody>
       </p:sp>
@@ -14959,7 +19049,7 @@
           <a:lstStyle/>
           <a:p>
             <a:r>
-              <a:rPr lang="en-US" sz="1600"/>
+              <a:rPr lang="en-US" sz="1600" dirty="0"/>
               <a:t>Purpose: To analyze which wines are performing well and identify any low-performing wines.</a:t>
             </a:r>
           </a:p>
@@ -15149,7 +19239,7 @@
           <a:lstStyle/>
           <a:p>
             <a:r>
-              <a:rPr lang="en-US" sz="1600"/>
+              <a:rPr lang="en-US" sz="1600" dirty="0"/>
               <a:t>Purpose: To track the number of hours worked by each employee in the past year.</a:t>
             </a:r>
           </a:p>
@@ -15214,6 +19304,96 @@
 </file>
 
 <file path=ppt/slides/slide8.xml><?xml version="1.0" encoding="utf-8"?>
+<p:sld xmlns:a="http://schemas.openxmlformats.org/drawingml/2006/main" xmlns:r="http://schemas.openxmlformats.org/officeDocument/2006/relationships" xmlns:p="http://schemas.openxmlformats.org/presentationml/2006/main">
+  <p:cSld>
+    <p:spTree>
+      <p:nvGrpSpPr>
+        <p:cNvPr id="1" name=""/>
+        <p:cNvGrpSpPr/>
+        <p:nvPr/>
+      </p:nvGrpSpPr>
+      <p:grpSpPr>
+        <a:xfrm>
+          <a:off x="0" y="0"/>
+          <a:ext cx="0" cy="0"/>
+          <a:chOff x="0" y="0"/>
+          <a:chExt cx="0" cy="0"/>
+        </a:xfrm>
+      </p:grpSpPr>
+      <p:sp>
+        <p:nvSpPr>
+          <p:cNvPr id="2" name="Title 1">
+            <a:extLst>
+              <a:ext uri="{FF2B5EF4-FFF2-40B4-BE49-F238E27FC236}">
+                <a16:creationId xmlns:a16="http://schemas.microsoft.com/office/drawing/2014/main" id="{BB357445-95A5-FDF3-F48A-AC7257146675}"/>
+              </a:ext>
+            </a:extLst>
+          </p:cNvPr>
+          <p:cNvSpPr>
+            <a:spLocks noGrp="1"/>
+          </p:cNvSpPr>
+          <p:nvPr>
+            <p:ph type="title"/>
+          </p:nvPr>
+        </p:nvSpPr>
+        <p:spPr/>
+        <p:txBody>
+          <a:bodyPr/>
+          <a:lstStyle/>
+          <a:p>
+            <a:r>
+              <a:rPr lang="en-US"/>
+              <a:t>Case Study problems &amp; solutions</a:t>
+            </a:r>
+            <a:endParaRPr lang="en-US" dirty="0"/>
+          </a:p>
+        </p:txBody>
+      </p:sp>
+      <p:graphicFrame>
+        <p:nvGraphicFramePr>
+          <p:cNvPr id="5" name="Content Placeholder 2">
+            <a:extLst>
+              <a:ext uri="{FF2B5EF4-FFF2-40B4-BE49-F238E27FC236}">
+                <a16:creationId xmlns:a16="http://schemas.microsoft.com/office/drawing/2014/main" id="{A24A3D7B-B33B-CF96-1688-8BD4BFAE5B6D}"/>
+              </a:ext>
+            </a:extLst>
+          </p:cNvPr>
+          <p:cNvGraphicFramePr>
+            <a:graphicFrameLocks noGrp="1"/>
+          </p:cNvGraphicFramePr>
+          <p:nvPr>
+            <p:ph idx="1"/>
+            <p:extLst>
+              <p:ext uri="{D42A27DB-BD31-4B8C-83A1-F6EECF244321}">
+                <p14:modId xmlns:p14="http://schemas.microsoft.com/office/powerpoint/2010/main" val="778194420"/>
+              </p:ext>
+            </p:extLst>
+          </p:nvPr>
+        </p:nvGraphicFramePr>
+        <p:xfrm>
+          <a:off x="1154954" y="2603500"/>
+          <a:ext cx="8825659" cy="3416300"/>
+        </p:xfrm>
+        <a:graphic>
+          <a:graphicData uri="http://schemas.openxmlformats.org/drawingml/2006/diagram">
+            <dgm:relIds xmlns:dgm="http://schemas.openxmlformats.org/drawingml/2006/diagram" xmlns:r="http://schemas.openxmlformats.org/officeDocument/2006/relationships" r:dm="rId2" r:lo="rId3" r:qs="rId4" r:cs="rId5"/>
+          </a:graphicData>
+        </a:graphic>
+      </p:graphicFrame>
+    </p:spTree>
+    <p:extLst>
+      <p:ext uri="{BB962C8B-B14F-4D97-AF65-F5344CB8AC3E}">
+        <p14:creationId xmlns:p14="http://schemas.microsoft.com/office/powerpoint/2010/main" val="4200669637"/>
+      </p:ext>
+    </p:extLst>
+  </p:cSld>
+  <p:clrMapOvr>
+    <a:masterClrMapping/>
+  </p:clrMapOvr>
+</p:sld>
+</file>
+
+<file path=ppt/slides/slide9.xml><?xml version="1.0" encoding="utf-8"?>
 <p:sld xmlns:a="http://schemas.openxmlformats.org/drawingml/2006/main" xmlns:r="http://schemas.openxmlformats.org/officeDocument/2006/relationships" xmlns:p="http://schemas.openxmlformats.org/presentationml/2006/main">
   <p:cSld>
     <p:spTree>
@@ -15501,92 +19681,6 @@
 </p:sld>
 </file>
 
-<file path=ppt/slides/slide9.xml><?xml version="1.0" encoding="utf-8"?>
-<p:sld xmlns:a="http://schemas.openxmlformats.org/drawingml/2006/main" xmlns:r="http://schemas.openxmlformats.org/officeDocument/2006/relationships" xmlns:p="http://schemas.openxmlformats.org/presentationml/2006/main">
-  <p:cSld>
-    <p:spTree>
-      <p:nvGrpSpPr>
-        <p:cNvPr id="1" name=""/>
-        <p:cNvGrpSpPr/>
-        <p:nvPr/>
-      </p:nvGrpSpPr>
-      <p:grpSpPr>
-        <a:xfrm>
-          <a:off x="0" y="0"/>
-          <a:ext cx="0" cy="0"/>
-          <a:chOff x="0" y="0"/>
-          <a:chExt cx="0" cy="0"/>
-        </a:xfrm>
-      </p:grpSpPr>
-      <p:sp>
-        <p:nvSpPr>
-          <p:cNvPr id="2" name="Title 1">
-            <a:extLst>
-              <a:ext uri="{FF2B5EF4-FFF2-40B4-BE49-F238E27FC236}">
-                <a16:creationId xmlns:a16="http://schemas.microsoft.com/office/drawing/2014/main" id="{187AB65D-1764-5DC9-8F4A-67AD2B8DA2F5}"/>
-              </a:ext>
-            </a:extLst>
-          </p:cNvPr>
-          <p:cNvSpPr>
-            <a:spLocks noGrp="1"/>
-          </p:cNvSpPr>
-          <p:nvPr>
-            <p:ph type="title"/>
-          </p:nvPr>
-        </p:nvSpPr>
-        <p:spPr/>
-        <p:txBody>
-          <a:bodyPr/>
-          <a:lstStyle/>
-          <a:p>
-            <a:r>
-              <a:rPr lang="en-US" dirty="0"/>
-              <a:t>Conclusion</a:t>
-            </a:r>
-          </a:p>
-        </p:txBody>
-      </p:sp>
-      <p:sp>
-        <p:nvSpPr>
-          <p:cNvPr id="3" name="Content Placeholder 2">
-            <a:extLst>
-              <a:ext uri="{FF2B5EF4-FFF2-40B4-BE49-F238E27FC236}">
-                <a16:creationId xmlns:a16="http://schemas.microsoft.com/office/drawing/2014/main" id="{33E722A8-75CF-7F54-366B-1BAD8B4F4D09}"/>
-              </a:ext>
-            </a:extLst>
-          </p:cNvPr>
-          <p:cNvSpPr>
-            <a:spLocks noGrp="1"/>
-          </p:cNvSpPr>
-          <p:nvPr>
-            <p:ph idx="1"/>
-          </p:nvPr>
-        </p:nvSpPr>
-        <p:spPr/>
-        <p:txBody>
-          <a:bodyPr/>
-          <a:lstStyle/>
-          <a:p>
-            <a:r>
-              <a:rPr lang="en-US" dirty="0"/>
-              <a:t>This system design will help Bacchus Winery improve its operations in key areas such as supplier delivery management, wine distribution tracking, and employee time management. The proposed reports provide visibility and actionable insights that will help the winery make informed decisions, optimize processes, and improve overall business efficiency.</a:t>
-            </a:r>
-          </a:p>
-        </p:txBody>
-      </p:sp>
-    </p:spTree>
-    <p:extLst>
-      <p:ext uri="{BB962C8B-B14F-4D97-AF65-F5344CB8AC3E}">
-        <p14:creationId xmlns:p14="http://schemas.microsoft.com/office/powerpoint/2010/main" val="2360875670"/>
-      </p:ext>
-    </p:extLst>
-  </p:cSld>
-  <p:clrMapOvr>
-    <a:masterClrMapping/>
-  </p:clrMapOvr>
-</p:sld>
-</file>
-
 <file path=ppt/theme/theme1.xml><?xml version="1.0" encoding="utf-8"?>
 <a:theme xmlns:a="http://schemas.openxmlformats.org/drawingml/2006/main" name="Ion Boardroom">
   <a:themeElements>
